--- a/html/class/lesson_four/lesson_four.pptx
+++ b/html/class/lesson_four/lesson_four.pptx
@@ -5,21 +5,22 @@
     <p:sldMasterId id="2147483648" r:id="rId1"/>
   </p:sldMasterIdLst>
   <p:notesMasterIdLst>
-    <p:notesMasterId r:id="rId14"/>
+    <p:notesMasterId r:id="rId4"/>
   </p:notesMasterIdLst>
   <p:sldIdLst>
-    <p:sldId id="607" r:id="rId2"/>
-    <p:sldId id="951" r:id="rId3"/>
-    <p:sldId id="949" r:id="rId4"/>
-    <p:sldId id="997" r:id="rId5"/>
-    <p:sldId id="996" r:id="rId6"/>
-    <p:sldId id="995" r:id="rId7"/>
-    <p:sldId id="992" r:id="rId8"/>
-    <p:sldId id="948" r:id="rId9"/>
-    <p:sldId id="993" r:id="rId10"/>
-    <p:sldId id="994" r:id="rId11"/>
-    <p:sldId id="970" r:id="rId12"/>
-    <p:sldId id="953" r:id="rId13"/>
+    <p:sldId id="607" r:id="rId3"/>
+    <p:sldId id="951" r:id="rId5"/>
+    <p:sldId id="949" r:id="rId6"/>
+    <p:sldId id="997" r:id="rId7"/>
+    <p:sldId id="996" r:id="rId8"/>
+    <p:sldId id="995" r:id="rId9"/>
+    <p:sldId id="1006" r:id="rId10"/>
+    <p:sldId id="992" r:id="rId11"/>
+    <p:sldId id="948" r:id="rId12"/>
+    <p:sldId id="993" r:id="rId13"/>
+    <p:sldId id="994" r:id="rId14"/>
+    <p:sldId id="970" r:id="rId15"/>
+    <p:sldId id="953" r:id="rId16"/>
   </p:sldIdLst>
   <p:sldSz cx="9144000" cy="5143500" type="screen16x9"/>
   <p:notesSz cx="6858000" cy="9144000"/>
@@ -118,36 +119,6 @@
       </a:defRPr>
     </a:lvl9pPr>
   </p:defaultTextStyle>
-  <p:extLst>
-    <p:ext uri="{EFAFB233-063F-42B5-8137-9DF3F51BA10A}">
-      <p15:sldGuideLst xmlns:p15="http://schemas.microsoft.com/office/powerpoint/2012/main">
-        <p15:guide id="1" orient="horz" pos="1584">
-          <p15:clr>
-            <a:srgbClr val="A4A3A4"/>
-          </p15:clr>
-        </p15:guide>
-        <p15:guide id="2" pos="2862">
-          <p15:clr>
-            <a:srgbClr val="A4A3A4"/>
-          </p15:clr>
-        </p15:guide>
-      </p15:sldGuideLst>
-    </p:ext>
-    <p:ext uri="{2D200454-40CA-4A62-9FC3-DE9A4176ACB9}">
-      <p15:notesGuideLst xmlns:p15="http://schemas.microsoft.com/office/powerpoint/2012/main">
-        <p15:guide id="1" orient="horz" pos="2814">
-          <p15:clr>
-            <a:srgbClr val="A4A3A4"/>
-          </p15:clr>
-        </p15:guide>
-        <p15:guide id="2" pos="2147">
-          <p15:clr>
-            <a:srgbClr val="A4A3A4"/>
-          </p15:clr>
-        </p15:guide>
-      </p15:notesGuideLst>
-    </p:ext>
-  </p:extLst>
 </p:presentation>
 </file>
 
@@ -233,7 +204,6 @@
           <a:p>
             <a:fld id="{D82A5992-9D73-4015-9385-ABE035416B29}" type="datetimeFigureOut">
               <a:rPr lang="zh-CN" altLang="en-US" smtClean="0"/>
-              <a:t>2018/9/10</a:t>
             </a:fld>
             <a:endParaRPr lang="zh-CN" altLang="en-US"/>
           </a:p>
@@ -300,6 +270,7 @@
               <a:rPr lang="zh-CN" altLang="en-US"/>
               <a:t>单击此处编辑母版文本样式</a:t>
             </a:r>
+            <a:endParaRPr lang="zh-CN" altLang="en-US"/>
           </a:p>
           <a:p>
             <a:pPr lvl="1"/>
@@ -307,6 +278,7 @@
               <a:rPr lang="zh-CN" altLang="en-US"/>
               <a:t>第二级</a:t>
             </a:r>
+            <a:endParaRPr lang="zh-CN" altLang="en-US"/>
           </a:p>
           <a:p>
             <a:pPr lvl="2"/>
@@ -314,6 +286,7 @@
               <a:rPr lang="zh-CN" altLang="en-US"/>
               <a:t>第三级</a:t>
             </a:r>
+            <a:endParaRPr lang="zh-CN" altLang="en-US"/>
           </a:p>
           <a:p>
             <a:pPr lvl="3"/>
@@ -321,6 +294,7 @@
               <a:rPr lang="zh-CN" altLang="en-US"/>
               <a:t>第四级</a:t>
             </a:r>
+            <a:endParaRPr lang="zh-CN" altLang="en-US"/>
           </a:p>
           <a:p>
             <a:pPr lvl="4"/>
@@ -328,6 +302,7 @@
               <a:rPr lang="zh-CN" altLang="en-US"/>
               <a:t>第五级</a:t>
             </a:r>
+            <a:endParaRPr lang="zh-CN" altLang="en-US"/>
           </a:p>
         </p:txBody>
       </p:sp>
@@ -391,7 +366,6 @@
           <a:p>
             <a:fld id="{7795A699-AB68-4A20-99FB-6F69DC266D45}" type="slidenum">
               <a:rPr lang="zh-CN" altLang="en-US" smtClean="0"/>
-              <a:t>‹#›</a:t>
             </a:fld>
             <a:endParaRPr lang="zh-CN" altLang="en-US"/>
           </a:p>
@@ -580,7 +554,6 @@
           <a:p>
             <a:fld id="{9295031C-36FB-4BFB-B547-5049AC3C4D20}" type="slidenum">
               <a:rPr lang="zh-CN" altLang="en-US"/>
-              <a:t>1</a:t>
             </a:fld>
             <a:endParaRPr lang="zh-CN" altLang="en-US"/>
           </a:p>
@@ -659,7 +632,6 @@
           <a:p>
             <a:fld id="{66F12646-107E-4EAD-9573-39087FBC2611}" type="slidenum">
               <a:rPr lang="zh-CN" altLang="en-US" smtClean="0"/>
-              <a:t>10</a:t>
             </a:fld>
             <a:endParaRPr lang="zh-CN" altLang="en-US"/>
           </a:p>
@@ -717,7 +689,7 @@
           <a:bodyPr/>
           <a:lstStyle/>
           <a:p>
-            <a:endParaRPr lang="zh-CN" altLang="en-US" dirty="0"/>
+            <a:endParaRPr lang="zh-CN" altLang="en-US"/>
           </a:p>
         </p:txBody>
       </p:sp>
@@ -736,19 +708,10 @@
           <a:bodyPr/>
           <a:lstStyle/>
           <a:p>
-            <a:fld id="{AB2A0F9D-3357-4A94-85C8-3B842B870DC6}" type="slidenum">
-              <a:rPr lang="zh-CN" altLang="en-US" smtClean="0">
-                <a:solidFill>
-                  <a:prstClr val="black"/>
-                </a:solidFill>
-              </a:rPr>
-              <a:t>11</a:t>
+            <a:fld id="{66F12646-107E-4EAD-9573-39087FBC2611}" type="slidenum">
+              <a:rPr lang="zh-CN" altLang="en-US" smtClean="0"/>
             </a:fld>
-            <a:endParaRPr lang="zh-CN" altLang="en-US">
-              <a:solidFill>
-                <a:prstClr val="black"/>
-              </a:solidFill>
-            </a:endParaRPr>
+            <a:endParaRPr lang="zh-CN" altLang="en-US"/>
           </a:p>
         </p:txBody>
       </p:sp>
@@ -761,6 +724,92 @@
 </file>
 
 <file path=ppt/notesSlides/notesSlide12.xml><?xml version="1.0" encoding="utf-8"?>
+<p:notes xmlns:a="http://schemas.openxmlformats.org/drawingml/2006/main" xmlns:r="http://schemas.openxmlformats.org/officeDocument/2006/relationships" xmlns:p="http://schemas.openxmlformats.org/presentationml/2006/main">
+  <p:cSld>
+    <p:spTree>
+      <p:nvGrpSpPr>
+        <p:cNvPr id="1" name=""/>
+        <p:cNvGrpSpPr/>
+        <p:nvPr/>
+      </p:nvGrpSpPr>
+      <p:grpSpPr>
+        <a:xfrm>
+          <a:off x="0" y="0"/>
+          <a:ext cx="0" cy="0"/>
+          <a:chOff x="0" y="0"/>
+          <a:chExt cx="0" cy="0"/>
+        </a:xfrm>
+      </p:grpSpPr>
+      <p:sp>
+        <p:nvSpPr>
+          <p:cNvPr id="2" name="幻灯片图像占位符 1"/>
+          <p:cNvSpPr>
+            <a:spLocks noGrp="1" noRot="1" noChangeAspect="1"/>
+          </p:cNvSpPr>
+          <p:nvPr>
+            <p:ph type="sldImg"/>
+          </p:nvPr>
+        </p:nvSpPr>
+        <p:spPr/>
+      </p:sp>
+      <p:sp>
+        <p:nvSpPr>
+          <p:cNvPr id="3" name="备注占位符 2"/>
+          <p:cNvSpPr>
+            <a:spLocks noGrp="1"/>
+          </p:cNvSpPr>
+          <p:nvPr>
+            <p:ph type="body" idx="1"/>
+          </p:nvPr>
+        </p:nvSpPr>
+        <p:spPr/>
+        <p:txBody>
+          <a:bodyPr/>
+          <a:lstStyle/>
+          <a:p>
+            <a:endParaRPr lang="zh-CN" altLang="en-US" dirty="0"/>
+          </a:p>
+        </p:txBody>
+      </p:sp>
+      <p:sp>
+        <p:nvSpPr>
+          <p:cNvPr id="4" name="灯片编号占位符 3"/>
+          <p:cNvSpPr>
+            <a:spLocks noGrp="1"/>
+          </p:cNvSpPr>
+          <p:nvPr>
+            <p:ph type="sldNum" sz="quarter" idx="10"/>
+          </p:nvPr>
+        </p:nvSpPr>
+        <p:spPr/>
+        <p:txBody>
+          <a:bodyPr/>
+          <a:lstStyle/>
+          <a:p>
+            <a:fld id="{AB2A0F9D-3357-4A94-85C8-3B842B870DC6}" type="slidenum">
+              <a:rPr lang="zh-CN" altLang="en-US" smtClean="0">
+                <a:solidFill>
+                  <a:prstClr val="black"/>
+                </a:solidFill>
+              </a:rPr>
+            </a:fld>
+            <a:endParaRPr lang="zh-CN" altLang="en-US">
+              <a:solidFill>
+                <a:prstClr val="black"/>
+              </a:solidFill>
+            </a:endParaRPr>
+          </a:p>
+        </p:txBody>
+      </p:sp>
+    </p:spTree>
+  </p:cSld>
+  <p:clrMapOvr>
+    <a:masterClrMapping/>
+  </p:clrMapOvr>
+</p:notes>
+</file>
+
+<file path=ppt/notesSlides/notesSlide13.xml><?xml version="1.0" encoding="utf-8"?>
 <p:notes xmlns:a="http://schemas.openxmlformats.org/drawingml/2006/main" xmlns:r="http://schemas.openxmlformats.org/officeDocument/2006/relationships" xmlns:p="http://schemas.openxmlformats.org/presentationml/2006/main">
   <p:cSld>
     <p:spTree>
@@ -845,7 +894,6 @@
           <a:p>
             <a:fld id="{9295031C-36FB-4BFB-B547-5049AC3C4D20}" type="slidenum">
               <a:rPr lang="zh-CN" altLang="en-US"/>
-              <a:t>12</a:t>
             </a:fld>
             <a:endParaRPr lang="zh-CN" altLang="en-US"/>
           </a:p>
@@ -924,7 +972,6 @@
           <a:p>
             <a:fld id="{418F03C3-53C1-4F10-8DAF-D1F318E96C6E}" type="slidenum">
               <a:rPr lang="zh-CN" altLang="en-US" smtClean="0"/>
-              <a:t>2</a:t>
             </a:fld>
             <a:endParaRPr lang="zh-CN" altLang="en-US"/>
           </a:p>
@@ -1003,7 +1050,6 @@
           <a:p>
             <a:fld id="{66F12646-107E-4EAD-9573-39087FBC2611}" type="slidenum">
               <a:rPr lang="zh-CN" altLang="en-US" smtClean="0"/>
-              <a:t>3</a:t>
             </a:fld>
             <a:endParaRPr lang="zh-CN" altLang="en-US"/>
           </a:p>
@@ -1082,18 +1128,12 @@
           <a:p>
             <a:fld id="{66F12646-107E-4EAD-9573-39087FBC2611}" type="slidenum">
               <a:rPr lang="zh-CN" altLang="en-US" smtClean="0"/>
-              <a:t>4</a:t>
             </a:fld>
             <a:endParaRPr lang="zh-CN" altLang="en-US"/>
           </a:p>
         </p:txBody>
       </p:sp>
     </p:spTree>
-    <p:extLst>
-      <p:ext uri="{BB962C8B-B14F-4D97-AF65-F5344CB8AC3E}">
-        <p14:creationId xmlns:p14="http://schemas.microsoft.com/office/powerpoint/2010/main" val="3518661194"/>
-      </p:ext>
-    </p:extLst>
   </p:cSld>
   <p:clrMapOvr>
     <a:masterClrMapping/>
@@ -1166,18 +1206,12 @@
           <a:p>
             <a:fld id="{66F12646-107E-4EAD-9573-39087FBC2611}" type="slidenum">
               <a:rPr lang="zh-CN" altLang="en-US" smtClean="0"/>
-              <a:t>5</a:t>
             </a:fld>
             <a:endParaRPr lang="zh-CN" altLang="en-US"/>
           </a:p>
         </p:txBody>
       </p:sp>
     </p:spTree>
-    <p:extLst>
-      <p:ext uri="{BB962C8B-B14F-4D97-AF65-F5344CB8AC3E}">
-        <p14:creationId xmlns:p14="http://schemas.microsoft.com/office/powerpoint/2010/main" val="2865629583"/>
-      </p:ext>
-    </p:extLst>
   </p:cSld>
   <p:clrMapOvr>
     <a:masterClrMapping/>
@@ -1250,18 +1284,12 @@
           <a:p>
             <a:fld id="{66F12646-107E-4EAD-9573-39087FBC2611}" type="slidenum">
               <a:rPr lang="zh-CN" altLang="en-US" smtClean="0"/>
-              <a:t>6</a:t>
             </a:fld>
             <a:endParaRPr lang="zh-CN" altLang="en-US"/>
           </a:p>
         </p:txBody>
       </p:sp>
     </p:spTree>
-    <p:extLst>
-      <p:ext uri="{BB962C8B-B14F-4D97-AF65-F5344CB8AC3E}">
-        <p14:creationId xmlns:p14="http://schemas.microsoft.com/office/powerpoint/2010/main" val="999181334"/>
-      </p:ext>
-    </p:extLst>
   </p:cSld>
   <p:clrMapOvr>
     <a:masterClrMapping/>
@@ -1334,7 +1362,6 @@
           <a:p>
             <a:fld id="{66F12646-107E-4EAD-9573-39087FBC2611}" type="slidenum">
               <a:rPr lang="zh-CN" altLang="en-US" smtClean="0"/>
-              <a:t>7</a:t>
             </a:fld>
             <a:endParaRPr lang="zh-CN" altLang="en-US"/>
           </a:p>
@@ -1411,9 +1438,8 @@
           <a:bodyPr/>
           <a:lstStyle/>
           <a:p>
-            <a:fld id="{A92EB20A-403F-44E9-9F40-29DD8395CE08}" type="slidenum">
+            <a:fld id="{66F12646-107E-4EAD-9573-39087FBC2611}" type="slidenum">
               <a:rPr lang="zh-CN" altLang="en-US" smtClean="0"/>
-              <a:t>8</a:t>
             </a:fld>
             <a:endParaRPr lang="zh-CN" altLang="en-US"/>
           </a:p>
@@ -1490,9 +1516,8 @@
           <a:bodyPr/>
           <a:lstStyle/>
           <a:p>
-            <a:fld id="{66F12646-107E-4EAD-9573-39087FBC2611}" type="slidenum">
+            <a:fld id="{A92EB20A-403F-44E9-9F40-29DD8395CE08}" type="slidenum">
               <a:rPr lang="zh-CN" altLang="en-US" smtClean="0"/>
-              <a:t>9</a:t>
             </a:fld>
             <a:endParaRPr lang="zh-CN" altLang="en-US"/>
           </a:p>
@@ -1540,7 +1565,6 @@
           <a:p>
             <a:fld id="{02854A03-91AF-448A-9954-517C0577E5F0}" type="datetimeFigureOut">
               <a:rPr lang="zh-CN" altLang="en-US" smtClean="0"/>
-              <a:t>2018/9/10</a:t>
             </a:fld>
             <a:endParaRPr lang="zh-CN" altLang="en-US"/>
           </a:p>
@@ -1582,7 +1606,6 @@
           <a:p>
             <a:fld id="{2EEFC946-6D13-4F8C-9740-992A906A613E}" type="slidenum">
               <a:rPr lang="zh-CN" altLang="en-US" smtClean="0"/>
-              <a:t>‹#›</a:t>
             </a:fld>
             <a:endParaRPr lang="zh-CN" altLang="en-US"/>
           </a:p>
@@ -1626,6 +1649,18 @@
               </a:rPr>
               <a:t>点击添加相关标题文字</a:t>
             </a:r>
+            <a:endParaRPr lang="zh-CN" altLang="en-US" sz="1400" dirty="0">
+              <a:solidFill>
+                <a:schemeClr val="tx1">
+                  <a:lumMod val="50000"/>
+                  <a:lumOff val="50000"/>
+                </a:schemeClr>
+              </a:solidFill>
+              <a:latin typeface="微软雅黑" panose="020B0503020204020204" pitchFamily="34" charset="-122"/>
+              <a:ea typeface="微软雅黑" panose="020B0503020204020204" pitchFamily="34" charset="-122"/>
+              <a:cs typeface="+mn-ea"/>
+              <a:sym typeface="+mn-lt"/>
+            </a:endParaRPr>
           </a:p>
         </p:txBody>
       </p:sp>
@@ -1845,6 +1880,7 @@
               <a:rPr lang="en-US" dirty="0"/>
               <a:t>. </a:t>
             </a:r>
+            <a:endParaRPr lang="en-US" dirty="0"/>
           </a:p>
         </p:txBody>
       </p:sp>
@@ -2042,6 +2078,7 @@
               <a:rPr lang="es-ES_tradnl" dirty="0"/>
               <a:t>RESULT 1</a:t>
             </a:r>
+            <a:endParaRPr lang="es-ES_tradnl" dirty="0"/>
           </a:p>
         </p:txBody>
       </p:sp>
@@ -2196,6 +2233,7 @@
               <a:rPr lang="en-US" dirty="0"/>
               <a:t>. </a:t>
             </a:r>
+            <a:endParaRPr lang="en-US" dirty="0"/>
           </a:p>
         </p:txBody>
       </p:sp>
@@ -2393,6 +2431,7 @@
               <a:rPr lang="es-ES_tradnl" dirty="0"/>
               <a:t>RESULT 1</a:t>
             </a:r>
+            <a:endParaRPr lang="es-ES_tradnl" dirty="0"/>
           </a:p>
         </p:txBody>
       </p:sp>
@@ -2547,6 +2586,7 @@
               <a:rPr lang="en-US" dirty="0"/>
               <a:t>. </a:t>
             </a:r>
+            <a:endParaRPr lang="en-US" dirty="0"/>
           </a:p>
         </p:txBody>
       </p:sp>
@@ -2744,6 +2784,7 @@
               <a:rPr lang="es-ES_tradnl" dirty="0"/>
               <a:t>RESULT 1</a:t>
             </a:r>
+            <a:endParaRPr lang="es-ES_tradnl" dirty="0"/>
           </a:p>
         </p:txBody>
       </p:sp>
@@ -2814,13 +2855,13 @@
   <p:clrMapOvr>
     <a:masterClrMapping/>
   </p:clrMapOvr>
-  <mc:AlternateContent xmlns:mc="http://schemas.openxmlformats.org/markup-compatibility/2006" xmlns:p14="http://schemas.microsoft.com/office/powerpoint/2010/main">
-    <mc:Choice Requires="p14">
+  <mc:AlternateContent xmlns:mc="http://schemas.openxmlformats.org/markup-compatibility/2006">
+    <mc:Choice xmlns:p14="http://schemas.microsoft.com/office/powerpoint/2010/main" Requires="p14">
       <p:transition spd="med" p14:dur="700" advTm="2000">
         <p:fade/>
       </p:transition>
     </mc:Choice>
-    <mc:Fallback xmlns="">
+    <mc:Fallback>
       <p:transition spd="med" advTm="2000">
         <p:fade/>
       </p:transition>
@@ -4907,6 +4948,7 @@
               <a:rPr lang="zh-CN" altLang="en-US"/>
               <a:t>单击此处编辑母版标题样式</a:t>
             </a:r>
+            <a:endParaRPr lang="zh-CN" altLang="en-US"/>
           </a:p>
         </p:txBody>
       </p:sp>
@@ -4927,7 +4969,6 @@
           <a:p>
             <a:fld id="{2CC48DD4-A9AD-4113-82BD-DB389D9CB606}" type="datetimeFigureOut">
               <a:rPr lang="zh-CN" altLang="en-US" smtClean="0"/>
-              <a:t>2018/9/10</a:t>
             </a:fld>
             <a:endParaRPr lang="zh-CN" altLang="en-US"/>
           </a:p>
@@ -4969,7 +5010,6 @@
           <a:p>
             <a:fld id="{99BEA383-4DC3-49F8-8A34-8517224E5316}" type="slidenum">
               <a:rPr lang="zh-CN" altLang="en-US" smtClean="0"/>
-              <a:t>‹#›</a:t>
             </a:fld>
             <a:endParaRPr lang="zh-CN" altLang="en-US"/>
           </a:p>
@@ -5058,6 +5098,7 @@
               <a:rPr lang="zh-CN" altLang="en-US"/>
               <a:t>单击此处编辑母版标题样式</a:t>
             </a:r>
+            <a:endParaRPr lang="zh-CN" altLang="en-US"/>
           </a:p>
         </p:txBody>
       </p:sp>
@@ -5125,6 +5166,7 @@
               <a:rPr lang="zh-CN" altLang="en-US"/>
               <a:t>单击此处编辑母版副标题样式</a:t>
             </a:r>
+            <a:endParaRPr lang="zh-CN" altLang="en-US"/>
           </a:p>
         </p:txBody>
       </p:sp>
@@ -5169,7 +5211,6 @@
             </a:pPr>
             <a:fld id="{4C0F3E8C-8BCD-4A8F-98D8-F8D96B87BD28}" type="datetimeFigureOut">
               <a:rPr lang="zh-CN" altLang="en-US"/>
-              <a:t>2018/9/10</a:t>
             </a:fld>
             <a:endParaRPr lang="zh-CN" altLang="en-US"/>
           </a:p>
@@ -5250,7 +5291,6 @@
             </a:pPr>
             <a:fld id="{4AAA05D2-2F82-4D1D-9A69-4CC173608BCF}" type="slidenum">
               <a:rPr lang="zh-CN" altLang="en-US"/>
-              <a:t>‹#›</a:t>
             </a:fld>
             <a:endParaRPr lang="zh-CN" altLang="en-US"/>
           </a:p>
@@ -5289,11 +5329,11 @@
   <p:clrMapOvr>
     <a:masterClrMapping/>
   </p:clrMapOvr>
-  <mc:AlternateContent xmlns:mc="http://schemas.openxmlformats.org/markup-compatibility/2006" xmlns:p14="http://schemas.microsoft.com/office/powerpoint/2010/main">
-    <mc:Choice Requires="p14">
+  <mc:AlternateContent xmlns:mc="http://schemas.openxmlformats.org/markup-compatibility/2006">
+    <mc:Choice xmlns:p14="http://schemas.microsoft.com/office/powerpoint/2010/main" Requires="p14">
       <p:transition spd="slow" p14:dur="2000" advClick="0" advTm="0"/>
     </mc:Choice>
-    <mc:Fallback xmlns="">
+    <mc:Fallback>
       <p:transition spd="slow" advClick="0" advTm="0"/>
     </mc:Fallback>
   </mc:AlternateContent>
@@ -5601,6 +5641,15 @@
               </a:rPr>
               <a:t>相关标题文字</a:t>
             </a:r>
+            <a:endParaRPr lang="zh-CN" altLang="en-US" sz="1200" dirty="0">
+              <a:solidFill>
+                <a:schemeClr val="bg1"/>
+              </a:solidFill>
+              <a:latin typeface="微软雅黑" panose="020B0503020204020204" pitchFamily="34" charset="-122"/>
+              <a:ea typeface="微软雅黑" panose="020B0503020204020204" pitchFamily="34" charset="-122"/>
+              <a:cs typeface="+mn-ea"/>
+              <a:sym typeface="+mn-lt"/>
+            </a:endParaRPr>
           </a:p>
         </p:txBody>
       </p:sp>
@@ -5647,7 +5696,6 @@
           <a:p>
             <a:fld id="{02854A03-91AF-448A-9954-517C0577E5F0}" type="datetimeFigureOut">
               <a:rPr lang="zh-CN" altLang="en-US" smtClean="0"/>
-              <a:t>2018/9/10</a:t>
             </a:fld>
             <a:endParaRPr lang="zh-CN" altLang="en-US"/>
           </a:p>
@@ -5689,7 +5737,6 @@
           <a:p>
             <a:fld id="{2EEFC946-6D13-4F8C-9740-992A906A613E}" type="slidenum">
               <a:rPr lang="zh-CN" altLang="en-US" smtClean="0"/>
-              <a:t>‹#›</a:t>
             </a:fld>
             <a:endParaRPr lang="zh-CN" altLang="en-US"/>
           </a:p>
@@ -5742,6 +5789,15 @@
               </a:rPr>
               <a:t>·ChiSchool</a:t>
             </a:r>
+            <a:endParaRPr lang="en-US" altLang="zh-CN" sz="1400" b="1" dirty="0">
+              <a:solidFill>
+                <a:srgbClr val="FFC000"/>
+              </a:solidFill>
+              <a:latin typeface="Malgun Gothic Semilight" panose="020B0502040204020203" charset="-122"/>
+              <a:ea typeface="Malgun Gothic Semilight" panose="020B0502040204020203" charset="-122"/>
+              <a:cs typeface="Malgun Gothic Semilight" panose="020B0502040204020203" charset="-122"/>
+              <a:sym typeface="+mn-lt"/>
+            </a:endParaRPr>
           </a:p>
         </p:txBody>
       </p:sp>
@@ -5834,7 +5890,6 @@
           <a:p>
             <a:fld id="{02854A03-91AF-448A-9954-517C0577E5F0}" type="datetimeFigureOut">
               <a:rPr lang="zh-CN" altLang="en-US" smtClean="0"/>
-              <a:t>2018/9/10</a:t>
             </a:fld>
             <a:endParaRPr lang="zh-CN" altLang="en-US"/>
           </a:p>
@@ -5876,7 +5931,6 @@
           <a:p>
             <a:fld id="{2EEFC946-6D13-4F8C-9740-992A906A613E}" type="slidenum">
               <a:rPr lang="zh-CN" altLang="en-US" smtClean="0"/>
-              <a:t>‹#›</a:t>
             </a:fld>
             <a:endParaRPr lang="zh-CN" altLang="en-US"/>
           </a:p>
@@ -5920,6 +5974,18 @@
               </a:rPr>
               <a:t>产品介绍</a:t>
             </a:r>
+            <a:endParaRPr lang="zh-CN" altLang="en-US" sz="1400" dirty="0">
+              <a:solidFill>
+                <a:schemeClr val="tx1">
+                  <a:lumMod val="50000"/>
+                  <a:lumOff val="50000"/>
+                </a:schemeClr>
+              </a:solidFill>
+              <a:latin typeface="微软雅黑" panose="020B0503020204020204" pitchFamily="34" charset="-122"/>
+              <a:ea typeface="微软雅黑" panose="020B0503020204020204" pitchFamily="34" charset="-122"/>
+              <a:cs typeface="+mn-ea"/>
+              <a:sym typeface="+mn-lt"/>
+            </a:endParaRPr>
           </a:p>
         </p:txBody>
       </p:sp>
@@ -6009,7 +6075,6 @@
           <a:p>
             <a:fld id="{02854A03-91AF-448A-9954-517C0577E5F0}" type="datetimeFigureOut">
               <a:rPr lang="zh-CN" altLang="en-US" smtClean="0"/>
-              <a:t>2018/9/10</a:t>
             </a:fld>
             <a:endParaRPr lang="zh-CN" altLang="en-US"/>
           </a:p>
@@ -6051,7 +6116,6 @@
           <a:p>
             <a:fld id="{2EEFC946-6D13-4F8C-9740-992A906A613E}" type="slidenum">
               <a:rPr lang="zh-CN" altLang="en-US" smtClean="0"/>
-              <a:t>‹#›</a:t>
             </a:fld>
             <a:endParaRPr lang="zh-CN" altLang="en-US"/>
           </a:p>
@@ -6095,6 +6159,18 @@
               </a:rPr>
               <a:t>市场分析</a:t>
             </a:r>
+            <a:endParaRPr lang="zh-CN" altLang="en-US" sz="1400" dirty="0">
+              <a:solidFill>
+                <a:schemeClr val="tx1">
+                  <a:lumMod val="50000"/>
+                  <a:lumOff val="50000"/>
+                </a:schemeClr>
+              </a:solidFill>
+              <a:latin typeface="微软雅黑" panose="020B0503020204020204" pitchFamily="34" charset="-122"/>
+              <a:ea typeface="微软雅黑" panose="020B0503020204020204" pitchFamily="34" charset="-122"/>
+              <a:cs typeface="+mn-ea"/>
+              <a:sym typeface="+mn-lt"/>
+            </a:endParaRPr>
           </a:p>
         </p:txBody>
       </p:sp>
@@ -6184,7 +6260,6 @@
           <a:p>
             <a:fld id="{02854A03-91AF-448A-9954-517C0577E5F0}" type="datetimeFigureOut">
               <a:rPr lang="zh-CN" altLang="en-US" smtClean="0"/>
-              <a:t>2018/9/10</a:t>
             </a:fld>
             <a:endParaRPr lang="zh-CN" altLang="en-US"/>
           </a:p>
@@ -6226,7 +6301,6 @@
           <a:p>
             <a:fld id="{2EEFC946-6D13-4F8C-9740-992A906A613E}" type="slidenum">
               <a:rPr lang="zh-CN" altLang="en-US" smtClean="0"/>
-              <a:t>‹#›</a:t>
             </a:fld>
             <a:endParaRPr lang="zh-CN" altLang="en-US"/>
           </a:p>
@@ -6270,6 +6344,18 @@
               </a:rPr>
               <a:t>未来规划</a:t>
             </a:r>
+            <a:endParaRPr lang="zh-CN" altLang="en-US" sz="1400" dirty="0">
+              <a:solidFill>
+                <a:schemeClr val="tx1">
+                  <a:lumMod val="50000"/>
+                  <a:lumOff val="50000"/>
+                </a:schemeClr>
+              </a:solidFill>
+              <a:latin typeface="微软雅黑" panose="020B0503020204020204" pitchFamily="34" charset="-122"/>
+              <a:ea typeface="微软雅黑" panose="020B0503020204020204" pitchFamily="34" charset="-122"/>
+              <a:cs typeface="+mn-ea"/>
+              <a:sym typeface="+mn-lt"/>
+            </a:endParaRPr>
           </a:p>
         </p:txBody>
       </p:sp>
@@ -6366,7 +6452,6 @@
             </a:pPr>
             <a:fld id="{7C25B2B0-692A-46A2-956F-D87A1A3CFB5B}" type="datetimeFigureOut">
               <a:rPr lang="zh-CN" altLang="en-US"/>
-              <a:t>2018/9/10</a:t>
             </a:fld>
             <a:endParaRPr lang="zh-CN" altLang="en-US"/>
           </a:p>
@@ -6422,7 +6507,6 @@
             </a:pPr>
             <a:fld id="{CCE584FB-8213-408C-973A-0BFE315A5B2C}" type="slidenum">
               <a:rPr lang="zh-CN" altLang="en-US"/>
-              <a:t>‹#›</a:t>
             </a:fld>
             <a:endParaRPr lang="zh-CN" altLang="en-US"/>
           </a:p>
@@ -6493,6 +6577,7 @@
               <a:rPr lang="zh-CN" altLang="en-US"/>
               <a:t>单击此处编辑母版标题样式</a:t>
             </a:r>
+            <a:endParaRPr lang="zh-CN" altLang="en-US"/>
           </a:p>
         </p:txBody>
       </p:sp>
@@ -6526,6 +6611,7 @@
               <a:rPr lang="zh-CN" altLang="en-US"/>
               <a:t>单击此处编辑母版文本样式</a:t>
             </a:r>
+            <a:endParaRPr lang="zh-CN" altLang="en-US"/>
           </a:p>
           <a:p>
             <a:pPr lvl="1"/>
@@ -6533,6 +6619,7 @@
               <a:rPr lang="zh-CN" altLang="en-US"/>
               <a:t>第二级</a:t>
             </a:r>
+            <a:endParaRPr lang="zh-CN" altLang="en-US"/>
           </a:p>
           <a:p>
             <a:pPr lvl="2"/>
@@ -6540,6 +6627,7 @@
               <a:rPr lang="zh-CN" altLang="en-US"/>
               <a:t>第三级</a:t>
             </a:r>
+            <a:endParaRPr lang="zh-CN" altLang="en-US"/>
           </a:p>
           <a:p>
             <a:pPr lvl="3"/>
@@ -6547,6 +6635,7 @@
               <a:rPr lang="zh-CN" altLang="en-US"/>
               <a:t>第四级</a:t>
             </a:r>
+            <a:endParaRPr lang="zh-CN" altLang="en-US"/>
           </a:p>
           <a:p>
             <a:pPr lvl="4"/>
@@ -6554,6 +6643,7 @@
               <a:rPr lang="zh-CN" altLang="en-US"/>
               <a:t>第五级</a:t>
             </a:r>
+            <a:endParaRPr lang="zh-CN" altLang="en-US"/>
           </a:p>
         </p:txBody>
       </p:sp>
@@ -6592,7 +6682,6 @@
           <a:p>
             <a:fld id="{02854A03-91AF-448A-9954-517C0577E5F0}" type="datetimeFigureOut">
               <a:rPr lang="zh-CN" altLang="en-US" smtClean="0"/>
-              <a:t>2018/9/10</a:t>
             </a:fld>
             <a:endParaRPr lang="zh-CN" altLang="en-US"/>
           </a:p>
@@ -6670,7 +6759,6 @@
           <a:p>
             <a:fld id="{2EEFC946-6D13-4F8C-9740-992A906A613E}" type="slidenum">
               <a:rPr lang="zh-CN" altLang="en-US" smtClean="0"/>
-              <a:t>‹#›</a:t>
             </a:fld>
             <a:endParaRPr lang="zh-CN" altLang="en-US"/>
           </a:p>
@@ -6685,7 +6773,7 @@
           <p:nvPr userDrawn="1"/>
         </p:nvPicPr>
         <p:blipFill>
-          <a:blip r:embed="rId14" cstate="print"/>
+          <a:blip r:embed="rId13" cstate="print"/>
           <a:srcRect/>
           <a:stretch>
             <a:fillRect/>
@@ -6999,7 +7087,7 @@
           <p:nvPr/>
         </p:nvPicPr>
         <p:blipFill>
-          <a:blip r:embed="rId5" cstate="print"/>
+          <a:blip r:embed="rId1" cstate="print"/>
           <a:srcRect/>
           <a:stretch>
             <a:fillRect/>
@@ -7068,6 +7156,13 @@
               </a:rPr>
               <a:t>第四课</a:t>
             </a:r>
+            <a:endParaRPr lang="zh-CN" altLang="en-US" sz="4000" b="1" dirty="0">
+              <a:solidFill>
+                <a:srgbClr val="FFC000"/>
+              </a:solidFill>
+              <a:latin typeface="微软雅黑" panose="020B0503020204020204" pitchFamily="34" charset="-122"/>
+              <a:ea typeface="微软雅黑" panose="020B0503020204020204" pitchFamily="34" charset="-122"/>
+            </a:endParaRPr>
           </a:p>
         </p:txBody>
       </p:sp>
@@ -7101,6 +7196,11 @@
               </a:rPr>
               <a:t>Welcome Back!!!</a:t>
             </a:r>
+            <a:endParaRPr lang="en-US" sz="3200" b="1" dirty="0">
+              <a:solidFill>
+                <a:srgbClr val="92D050"/>
+              </a:solidFill>
+            </a:endParaRPr>
           </a:p>
         </p:txBody>
       </p:sp>
@@ -7116,13 +7216,13 @@
             <a:audioFile r:link="rId2"/>
             <p:extLst>
               <p:ext uri="{DAA4B4D4-6D71-4841-9C94-3DE7FCFB9230}">
-                <p14:media xmlns:p14="http://schemas.microsoft.com/office/powerpoint/2010/main" r:link="rId1"/>
+                <p14:media xmlns:p14="http://schemas.microsoft.com/office/powerpoint/2010/main" r:link="rId3"/>
               </p:ext>
             </p:extLst>
           </p:nvPr>
         </p:nvPicPr>
         <p:blipFill>
-          <a:blip r:embed="rId6" cstate="print"/>
+          <a:blip r:embed="rId4" cstate="print"/>
           <a:stretch>
             <a:fillRect/>
           </a:stretch>
@@ -7389,7 +7489,7 @@
                         <p:par>
                           <p:cTn id="21" fill="hold">
                             <p:stCondLst>
-                              <p:cond delay="2600"/>
+                              <p:cond delay="2599"/>
                             </p:stCondLst>
                             <p:childTnLst>
                               <p:par>
@@ -7607,6 +7707,11 @@
               </a:rPr>
               <a:t> </a:t>
             </a:r>
+            <a:endParaRPr lang="en-US" b="1" dirty="0">
+              <a:solidFill>
+                <a:srgbClr val="92D050"/>
+              </a:solidFill>
+            </a:endParaRPr>
           </a:p>
         </p:txBody>
       </p:sp>
@@ -7643,6 +7748,13 @@
               </a:rPr>
               <a:t>常用字体修饰标签</a:t>
             </a:r>
+            <a:endParaRPr lang="zh-CN" altLang="en-US" sz="2800" b="1">
+              <a:solidFill>
+                <a:srgbClr val="FFC000"/>
+              </a:solidFill>
+              <a:latin typeface="华文行楷" panose="02010800040101010101" charset="-122"/>
+              <a:ea typeface="华文行楷" panose="02010800040101010101" charset="-122"/>
+            </a:endParaRPr>
           </a:p>
         </p:txBody>
       </p:sp>
@@ -7654,8 +7766,8 @@
         </p:nvSpPr>
         <p:spPr>
           <a:xfrm>
-            <a:off x="1067435" y="1757045"/>
-            <a:ext cx="7096125" cy="2245360"/>
+            <a:off x="1140460" y="1519555"/>
+            <a:ext cx="6863715" cy="2245360"/>
           </a:xfrm>
           <a:prstGeom prst="rect">
             <a:avLst/>
@@ -7668,7 +7780,7 @@
           </a:bodyPr>
           <a:lstStyle/>
           <a:p>
-            <a:pPr algn="l"/>
+            <a:pPr algn="ctr"/>
             <a:r>
               <a:rPr lang="en-US" sz="2000" b="1">
                 <a:solidFill>
@@ -7678,7 +7790,7 @@
                 <a:ea typeface="华文楷体" panose="02010600040101010101" charset="-122"/>
                 <a:cs typeface="华文楷体" panose="02010600040101010101" charset="-122"/>
               </a:rPr>
-              <a:t>&lt;center&gt;</a:t>
+              <a:t>&lt;big&gt;</a:t>
             </a:r>
             <a:r>
               <a:rPr lang="zh-CN" altLang="en-US" sz="2000" b="1">
@@ -7700,7 +7812,7 @@
                 <a:ea typeface="华文楷体" panose="02010600040101010101" charset="-122"/>
                 <a:cs typeface="华文楷体" panose="02010600040101010101" charset="-122"/>
               </a:rPr>
-              <a:t>center</a:t>
+              <a:t>big</a:t>
             </a:r>
             <a:r>
               <a:rPr lang="zh-CN" altLang="en-US" sz="2000" b="1">
@@ -7711,7 +7823,7 @@
                 <a:ea typeface="华文楷体" panose="02010600040101010101" charset="-122"/>
                 <a:cs typeface="华文楷体" panose="02010600040101010101" charset="-122"/>
               </a:rPr>
-              <a:t>标签修饰的文字会居中显示</a:t>
+              <a:t>标签修饰的文字会放大字体</a:t>
             </a:r>
             <a:r>
               <a:rPr lang="en-US" sz="2000" b="1">
@@ -7722,7 +7834,7 @@
                 <a:ea typeface="华文楷体" panose="02010600040101010101" charset="-122"/>
                 <a:cs typeface="华文楷体" panose="02010600040101010101" charset="-122"/>
               </a:rPr>
-              <a:t>&lt;/center&gt;</a:t>
+              <a:t>&lt;/big&gt;</a:t>
             </a:r>
             <a:endParaRPr lang="zh-CN" altLang="en-US" sz="2000" b="1">
               <a:solidFill>
@@ -7734,7 +7846,7 @@
             </a:endParaRPr>
           </a:p>
           <a:p>
-            <a:pPr algn="l"/>
+            <a:pPr algn="ctr"/>
             <a:endParaRPr lang="zh-CN" altLang="en-US" sz="2000" b="1">
               <a:solidFill>
                 <a:srgbClr val="FFC000"/>
@@ -7745,7 +7857,7 @@
             </a:endParaRPr>
           </a:p>
           <a:p>
-            <a:pPr algn="l"/>
+            <a:pPr algn="ctr"/>
             <a:r>
               <a:rPr lang="en-US" sz="2000" b="1">
                 <a:solidFill>
@@ -7755,7 +7867,7 @@
                 <a:ea typeface="华文楷体" panose="02010600040101010101" charset="-122"/>
                 <a:cs typeface="华文楷体" panose="02010600040101010101" charset="-122"/>
               </a:rPr>
-              <a:t>&lt;del&gt;</a:t>
+              <a:t>&lt;small&gt;</a:t>
             </a:r>
             <a:r>
               <a:rPr lang="zh-CN" altLang="en-US" sz="2000" b="1">
@@ -7777,7 +7889,7 @@
                 <a:ea typeface="华文楷体" panose="02010600040101010101" charset="-122"/>
                 <a:cs typeface="华文楷体" panose="02010600040101010101" charset="-122"/>
               </a:rPr>
-              <a:t>del</a:t>
+              <a:t>small</a:t>
             </a:r>
             <a:r>
               <a:rPr lang="zh-CN" altLang="en-US" sz="2000" b="1">
@@ -7788,7 +7900,7 @@
                 <a:ea typeface="华文楷体" panose="02010600040101010101" charset="-122"/>
                 <a:cs typeface="华文楷体" panose="02010600040101010101" charset="-122"/>
               </a:rPr>
-              <a:t>标签修饰的文字会被删除显示</a:t>
+              <a:t>修饰的文字会缩小字体</a:t>
             </a:r>
             <a:r>
               <a:rPr lang="en-US" sz="2000" b="1">
@@ -7799,7 +7911,7 @@
                 <a:ea typeface="华文楷体" panose="02010600040101010101" charset="-122"/>
                 <a:cs typeface="华文楷体" panose="02010600040101010101" charset="-122"/>
               </a:rPr>
-              <a:t>&lt;/del&gt;</a:t>
+              <a:t>&lt;/small&gt;</a:t>
             </a:r>
             <a:endParaRPr lang="zh-CN" altLang="en-US" sz="2000" b="1">
               <a:solidFill>
@@ -7811,7 +7923,7 @@
             </a:endParaRPr>
           </a:p>
           <a:p>
-            <a:pPr algn="l"/>
+            <a:pPr algn="ctr"/>
             <a:endParaRPr lang="zh-CN" altLang="en-US" sz="2000" b="1">
               <a:solidFill>
                 <a:srgbClr val="FFC000"/>
@@ -7822,7 +7934,7 @@
             </a:endParaRPr>
           </a:p>
           <a:p>
-            <a:pPr algn="l"/>
+            <a:pPr algn="ctr"/>
             <a:r>
               <a:rPr lang="en-US" sz="2000" b="1">
                 <a:solidFill>
@@ -7832,7 +7944,7 @@
                 <a:ea typeface="华文楷体" panose="02010600040101010101" charset="-122"/>
                 <a:cs typeface="华文楷体" panose="02010600040101010101" charset="-122"/>
               </a:rPr>
-              <a:t>&lt;mark&gt;</a:t>
+              <a:t>&lt;sup&gt;</a:t>
             </a:r>
             <a:r>
               <a:rPr lang="zh-CN" altLang="en-US" sz="2000" b="1">
@@ -7854,7 +7966,7 @@
                 <a:ea typeface="华文楷体" panose="02010600040101010101" charset="-122"/>
                 <a:cs typeface="华文楷体" panose="02010600040101010101" charset="-122"/>
               </a:rPr>
-              <a:t>mark</a:t>
+              <a:t>sup</a:t>
             </a:r>
             <a:r>
               <a:rPr lang="zh-CN" altLang="en-US" sz="2000" b="1">
@@ -7865,10 +7977,10 @@
                 <a:ea typeface="华文楷体" panose="02010600040101010101" charset="-122"/>
                 <a:cs typeface="华文楷体" panose="02010600040101010101" charset="-122"/>
               </a:rPr>
-              <a:t>标签修饰的文字</a:t>
-            </a:r>
-            <a:r>
-              <a:rPr lang="en-US" altLang="zh-CN" sz="2000" b="1">
+              <a:t>修饰的符号会作为上标使用</a:t>
+            </a:r>
+            <a:r>
+              <a:rPr lang="en-US" sz="2000" b="1">
                 <a:solidFill>
                   <a:srgbClr val="FFC000"/>
                 </a:solidFill>
@@ -7876,33 +7988,8 @@
                 <a:ea typeface="华文楷体" panose="02010600040101010101" charset="-122"/>
                 <a:cs typeface="华文楷体" panose="02010600040101010101" charset="-122"/>
               </a:rPr>
-              <a:t>,</a:t>
-            </a:r>
-            <a:r>
-              <a:rPr lang="zh-CN" altLang="en-US" sz="2000" b="1">
-                <a:solidFill>
-                  <a:srgbClr val="FFC000"/>
-                </a:solidFill>
-                <a:latin typeface="华文楷体" panose="02010600040101010101" charset="-122"/>
-                <a:ea typeface="华文楷体" panose="02010600040101010101" charset="-122"/>
-                <a:cs typeface="华文楷体" panose="02010600040101010101" charset="-122"/>
-              </a:rPr>
-              <a:t>背景色会显示为黄色</a:t>
-            </a:r>
-            <a:r>
-              <a:rPr lang="en-US" sz="2000" b="1">
-                <a:solidFill>
-                  <a:srgbClr val="FFC000"/>
-                </a:solidFill>
-                <a:latin typeface="华文楷体" panose="02010600040101010101" charset="-122"/>
-                <a:ea typeface="华文楷体" panose="02010600040101010101" charset="-122"/>
-                <a:cs typeface="华文楷体" panose="02010600040101010101" charset="-122"/>
-              </a:rPr>
-              <a:t>&lt;/mark&gt;</a:t>
-            </a:r>
-          </a:p>
-          <a:p>
-            <a:pPr algn="l"/>
+              <a:t>&lt;/sup&gt;</a:t>
+            </a:r>
             <a:endParaRPr lang="en-US" sz="2000" b="1">
               <a:solidFill>
                 <a:srgbClr val="FFC000"/>
@@ -7913,7 +8000,18 @@
             </a:endParaRPr>
           </a:p>
           <a:p>
-            <a:pPr algn="l"/>
+            <a:pPr algn="ctr"/>
+            <a:endParaRPr lang="en-US" sz="2000" b="1">
+              <a:solidFill>
+                <a:srgbClr val="FFC000"/>
+              </a:solidFill>
+              <a:latin typeface="华文楷体" panose="02010600040101010101" charset="-122"/>
+              <a:ea typeface="华文楷体" panose="02010600040101010101" charset="-122"/>
+              <a:cs typeface="华文楷体" panose="02010600040101010101" charset="-122"/>
+            </a:endParaRPr>
+          </a:p>
+          <a:p>
+            <a:pPr algn="ctr"/>
             <a:r>
               <a:rPr lang="en-US" sz="2000" b="1">
                 <a:solidFill>
@@ -7923,7 +8021,7 @@
                 <a:ea typeface="华文楷体" panose="02010600040101010101" charset="-122"/>
                 <a:cs typeface="华文楷体" panose="02010600040101010101" charset="-122"/>
               </a:rPr>
-              <a:t>&lt;u&gt;</a:t>
+              <a:t>&lt;sub&gt;</a:t>
             </a:r>
             <a:r>
               <a:rPr lang="zh-CN" altLang="en-US" sz="2000" b="1">
@@ -7945,7 +8043,7 @@
                 <a:ea typeface="华文楷体" panose="02010600040101010101" charset="-122"/>
                 <a:cs typeface="华文楷体" panose="02010600040101010101" charset="-122"/>
               </a:rPr>
-              <a:t>u</a:t>
+              <a:t>sub</a:t>
             </a:r>
             <a:r>
               <a:rPr lang="zh-CN" altLang="en-US" sz="2000" b="1">
@@ -7956,10 +8054,10 @@
                 <a:ea typeface="华文楷体" panose="02010600040101010101" charset="-122"/>
                 <a:cs typeface="华文楷体" panose="02010600040101010101" charset="-122"/>
               </a:rPr>
-              <a:t>标签修饰的文字</a:t>
-            </a:r>
-            <a:r>
-              <a:rPr lang="en-US" altLang="zh-CN" sz="2000" b="1">
+              <a:t>修饰的符号会作为上标使用</a:t>
+            </a:r>
+            <a:r>
+              <a:rPr lang="en-US" sz="2000" b="1">
                 <a:solidFill>
                   <a:srgbClr val="FFC000"/>
                 </a:solidFill>
@@ -7967,30 +8065,16 @@
                 <a:ea typeface="华文楷体" panose="02010600040101010101" charset="-122"/>
                 <a:cs typeface="华文楷体" panose="02010600040101010101" charset="-122"/>
               </a:rPr>
-              <a:t>,</a:t>
-            </a:r>
-            <a:r>
-              <a:rPr lang="zh-CN" altLang="en-US" sz="2000" b="1">
-                <a:solidFill>
-                  <a:srgbClr val="FFC000"/>
-                </a:solidFill>
-                <a:latin typeface="华文楷体" panose="02010600040101010101" charset="-122"/>
-                <a:ea typeface="华文楷体" panose="02010600040101010101" charset="-122"/>
-                <a:cs typeface="华文楷体" panose="02010600040101010101" charset="-122"/>
-              </a:rPr>
-              <a:t>在文字下方会出现一条线</a:t>
-            </a:r>
-            <a:r>
-              <a:rPr lang="en-US" sz="2000" b="1">
-                <a:solidFill>
-                  <a:srgbClr val="FFC000"/>
-                </a:solidFill>
-                <a:latin typeface="华文楷体" panose="02010600040101010101" charset="-122"/>
-                <a:ea typeface="华文楷体" panose="02010600040101010101" charset="-122"/>
-                <a:cs typeface="华文楷体" panose="02010600040101010101" charset="-122"/>
-              </a:rPr>
-              <a:t>&lt;/u&gt;</a:t>
-            </a:r>
+              <a:t>&lt;/sub&gt;</a:t>
+            </a:r>
+            <a:endParaRPr lang="en-US" sz="2000" b="1">
+              <a:solidFill>
+                <a:srgbClr val="FFC000"/>
+              </a:solidFill>
+              <a:latin typeface="华文楷体" panose="02010600040101010101" charset="-122"/>
+              <a:ea typeface="华文楷体" panose="02010600040101010101" charset="-122"/>
+              <a:cs typeface="华文楷体" panose="02010600040101010101" charset="-122"/>
+            </a:endParaRPr>
           </a:p>
         </p:txBody>
       </p:sp>
@@ -8159,6 +8243,642 @@
       </p:grpSpPr>
       <p:sp>
         <p:nvSpPr>
+          <p:cNvPr id="101" name="Rectangle 49"/>
+          <p:cNvSpPr>
+            <a:spLocks noChangeArrowheads="1"/>
+          </p:cNvSpPr>
+          <p:nvPr/>
+        </p:nvSpPr>
+        <p:spPr bwMode="auto">
+          <a:xfrm>
+            <a:off x="2132965" y="1329055"/>
+            <a:ext cx="4964430" cy="276860"/>
+          </a:xfrm>
+          <a:prstGeom prst="rect">
+            <a:avLst/>
+          </a:prstGeom>
+          <a:noFill/>
+          <a:ln>
+            <a:noFill/>
+          </a:ln>
+          <a:extLst>
+            <a:ext uri="{909E8E84-426E-40DD-AFC4-6F175D3DCCD1}">
+              <a14:hiddenFill xmlns:a14="http://schemas.microsoft.com/office/drawing/2010/main">
+                <a:solidFill>
+                  <a:srgbClr val="FFFFFF"/>
+                </a:solidFill>
+              </a14:hiddenFill>
+            </a:ext>
+            <a:ext uri="{91240B29-F687-4F45-9708-019B960494DF}">
+              <a14:hiddenLine xmlns:a14="http://schemas.microsoft.com/office/drawing/2010/main" w="9525">
+                <a:solidFill>
+                  <a:srgbClr val="000000"/>
+                </a:solidFill>
+                <a:miter lim="800000"/>
+                <a:headEnd/>
+                <a:tailEnd/>
+              </a14:hiddenLine>
+            </a:ext>
+          </a:extLst>
+        </p:spPr>
+        <p:txBody>
+          <a:bodyPr wrap="square" lIns="0" tIns="0" rIns="0" bIns="0">
+            <a:spAutoFit/>
+          </a:bodyPr>
+          <a:lstStyle/>
+          <a:p>
+            <a:pPr algn="ctr">
+              <a:buFont typeface="Arial" panose="020B0604020202020204" pitchFamily="34" charset="0"/>
+              <a:buNone/>
+            </a:pPr>
+            <a:r>
+              <a:rPr lang="en-US" b="1" dirty="0">
+                <a:solidFill>
+                  <a:srgbClr val="92D050"/>
+                </a:solidFill>
+              </a:rPr>
+              <a:t> </a:t>
+            </a:r>
+            <a:endParaRPr lang="en-US" b="1" dirty="0">
+              <a:solidFill>
+                <a:srgbClr val="92D050"/>
+              </a:solidFill>
+            </a:endParaRPr>
+          </a:p>
+        </p:txBody>
+      </p:sp>
+      <p:sp>
+        <p:nvSpPr>
+          <p:cNvPr id="3" name="文本框 2"/>
+          <p:cNvSpPr txBox="1"/>
+          <p:nvPr/>
+        </p:nvSpPr>
+        <p:spPr>
+          <a:xfrm>
+            <a:off x="2331720" y="895985"/>
+            <a:ext cx="4480560" cy="521970"/>
+          </a:xfrm>
+          <a:prstGeom prst="rect">
+            <a:avLst/>
+          </a:prstGeom>
+          <a:noFill/>
+        </p:spPr>
+        <p:txBody>
+          <a:bodyPr wrap="square" rtlCol="0">
+            <a:spAutoFit/>
+          </a:bodyPr>
+          <a:lstStyle/>
+          <a:p>
+            <a:pPr algn="ctr"/>
+            <a:r>
+              <a:rPr lang="zh-CN" altLang="en-US" sz="2800" b="1">
+                <a:solidFill>
+                  <a:srgbClr val="FFC000"/>
+                </a:solidFill>
+                <a:latin typeface="华文行楷" panose="02010800040101010101" charset="-122"/>
+                <a:ea typeface="华文行楷" panose="02010800040101010101" charset="-122"/>
+              </a:rPr>
+              <a:t>常用字体修饰标签</a:t>
+            </a:r>
+            <a:endParaRPr lang="zh-CN" altLang="en-US" sz="2800" b="1">
+              <a:solidFill>
+                <a:srgbClr val="FFC000"/>
+              </a:solidFill>
+              <a:latin typeface="华文行楷" panose="02010800040101010101" charset="-122"/>
+              <a:ea typeface="华文行楷" panose="02010800040101010101" charset="-122"/>
+            </a:endParaRPr>
+          </a:p>
+        </p:txBody>
+      </p:sp>
+      <p:sp>
+        <p:nvSpPr>
+          <p:cNvPr id="8" name="文本框 7"/>
+          <p:cNvSpPr txBox="1"/>
+          <p:nvPr/>
+        </p:nvSpPr>
+        <p:spPr>
+          <a:xfrm>
+            <a:off x="1067435" y="1757045"/>
+            <a:ext cx="7096125" cy="2245360"/>
+          </a:xfrm>
+          <a:prstGeom prst="rect">
+            <a:avLst/>
+          </a:prstGeom>
+          <a:noFill/>
+        </p:spPr>
+        <p:txBody>
+          <a:bodyPr wrap="square" rtlCol="0">
+            <a:spAutoFit/>
+          </a:bodyPr>
+          <a:lstStyle/>
+          <a:p>
+            <a:pPr algn="l"/>
+            <a:r>
+              <a:rPr lang="en-US" sz="2000" b="1">
+                <a:solidFill>
+                  <a:srgbClr val="FFC000"/>
+                </a:solidFill>
+                <a:latin typeface="华文楷体" panose="02010600040101010101" charset="-122"/>
+                <a:ea typeface="华文楷体" panose="02010600040101010101" charset="-122"/>
+                <a:cs typeface="华文楷体" panose="02010600040101010101" charset="-122"/>
+              </a:rPr>
+              <a:t>&lt;center&gt;</a:t>
+            </a:r>
+            <a:r>
+              <a:rPr lang="zh-CN" altLang="en-US" sz="2000" b="1">
+                <a:solidFill>
+                  <a:srgbClr val="FFC000"/>
+                </a:solidFill>
+                <a:latin typeface="华文楷体" panose="02010600040101010101" charset="-122"/>
+                <a:ea typeface="华文楷体" panose="02010600040101010101" charset="-122"/>
+                <a:cs typeface="华文楷体" panose="02010600040101010101" charset="-122"/>
+              </a:rPr>
+              <a:t>被</a:t>
+            </a:r>
+            <a:r>
+              <a:rPr lang="en-US" altLang="zh-CN" sz="2000" b="1">
+                <a:solidFill>
+                  <a:srgbClr val="FFC000"/>
+                </a:solidFill>
+                <a:latin typeface="华文楷体" panose="02010600040101010101" charset="-122"/>
+                <a:ea typeface="华文楷体" panose="02010600040101010101" charset="-122"/>
+                <a:cs typeface="华文楷体" panose="02010600040101010101" charset="-122"/>
+              </a:rPr>
+              <a:t>center</a:t>
+            </a:r>
+            <a:r>
+              <a:rPr lang="zh-CN" altLang="en-US" sz="2000" b="1">
+                <a:solidFill>
+                  <a:srgbClr val="FFC000"/>
+                </a:solidFill>
+                <a:latin typeface="华文楷体" panose="02010600040101010101" charset="-122"/>
+                <a:ea typeface="华文楷体" panose="02010600040101010101" charset="-122"/>
+                <a:cs typeface="华文楷体" panose="02010600040101010101" charset="-122"/>
+              </a:rPr>
+              <a:t>标签修饰的文字会居中显示</a:t>
+            </a:r>
+            <a:r>
+              <a:rPr lang="en-US" sz="2000" b="1">
+                <a:solidFill>
+                  <a:srgbClr val="FFC000"/>
+                </a:solidFill>
+                <a:latin typeface="华文楷体" panose="02010600040101010101" charset="-122"/>
+                <a:ea typeface="华文楷体" panose="02010600040101010101" charset="-122"/>
+                <a:cs typeface="华文楷体" panose="02010600040101010101" charset="-122"/>
+              </a:rPr>
+              <a:t>&lt;/center&gt;</a:t>
+            </a:r>
+            <a:endParaRPr lang="zh-CN" altLang="en-US" sz="2000" b="1">
+              <a:solidFill>
+                <a:srgbClr val="FFC000"/>
+              </a:solidFill>
+              <a:latin typeface="华文楷体" panose="02010600040101010101" charset="-122"/>
+              <a:ea typeface="华文楷体" panose="02010600040101010101" charset="-122"/>
+              <a:cs typeface="华文楷体" panose="02010600040101010101" charset="-122"/>
+            </a:endParaRPr>
+          </a:p>
+          <a:p>
+            <a:pPr algn="l"/>
+            <a:endParaRPr lang="zh-CN" altLang="en-US" sz="2000" b="1">
+              <a:solidFill>
+                <a:srgbClr val="FFC000"/>
+              </a:solidFill>
+              <a:latin typeface="华文楷体" panose="02010600040101010101" charset="-122"/>
+              <a:ea typeface="华文楷体" panose="02010600040101010101" charset="-122"/>
+              <a:cs typeface="华文楷体" panose="02010600040101010101" charset="-122"/>
+            </a:endParaRPr>
+          </a:p>
+          <a:p>
+            <a:pPr algn="l"/>
+            <a:r>
+              <a:rPr lang="en-US" sz="2000" b="1">
+                <a:solidFill>
+                  <a:srgbClr val="FFC000"/>
+                </a:solidFill>
+                <a:latin typeface="华文楷体" panose="02010600040101010101" charset="-122"/>
+                <a:ea typeface="华文楷体" panose="02010600040101010101" charset="-122"/>
+                <a:cs typeface="华文楷体" panose="02010600040101010101" charset="-122"/>
+              </a:rPr>
+              <a:t>&lt;del&gt;</a:t>
+            </a:r>
+            <a:r>
+              <a:rPr lang="zh-CN" altLang="en-US" sz="2000" b="1">
+                <a:solidFill>
+                  <a:srgbClr val="FFC000"/>
+                </a:solidFill>
+                <a:latin typeface="华文楷体" panose="02010600040101010101" charset="-122"/>
+                <a:ea typeface="华文楷体" panose="02010600040101010101" charset="-122"/>
+                <a:cs typeface="华文楷体" panose="02010600040101010101" charset="-122"/>
+              </a:rPr>
+              <a:t>被</a:t>
+            </a:r>
+            <a:r>
+              <a:rPr lang="en-US" altLang="zh-CN" sz="2000" b="1">
+                <a:solidFill>
+                  <a:srgbClr val="FFC000"/>
+                </a:solidFill>
+                <a:latin typeface="华文楷体" panose="02010600040101010101" charset="-122"/>
+                <a:ea typeface="华文楷体" panose="02010600040101010101" charset="-122"/>
+                <a:cs typeface="华文楷体" panose="02010600040101010101" charset="-122"/>
+              </a:rPr>
+              <a:t>del</a:t>
+            </a:r>
+            <a:r>
+              <a:rPr lang="zh-CN" altLang="en-US" sz="2000" b="1">
+                <a:solidFill>
+                  <a:srgbClr val="FFC000"/>
+                </a:solidFill>
+                <a:latin typeface="华文楷体" panose="02010600040101010101" charset="-122"/>
+                <a:ea typeface="华文楷体" panose="02010600040101010101" charset="-122"/>
+                <a:cs typeface="华文楷体" panose="02010600040101010101" charset="-122"/>
+              </a:rPr>
+              <a:t>标签修饰的文字会被删除显示</a:t>
+            </a:r>
+            <a:r>
+              <a:rPr lang="en-US" sz="2000" b="1">
+                <a:solidFill>
+                  <a:srgbClr val="FFC000"/>
+                </a:solidFill>
+                <a:latin typeface="华文楷体" panose="02010600040101010101" charset="-122"/>
+                <a:ea typeface="华文楷体" panose="02010600040101010101" charset="-122"/>
+                <a:cs typeface="华文楷体" panose="02010600040101010101" charset="-122"/>
+              </a:rPr>
+              <a:t>&lt;/del&gt;</a:t>
+            </a:r>
+            <a:endParaRPr lang="zh-CN" altLang="en-US" sz="2000" b="1">
+              <a:solidFill>
+                <a:srgbClr val="FFC000"/>
+              </a:solidFill>
+              <a:latin typeface="华文楷体" panose="02010600040101010101" charset="-122"/>
+              <a:ea typeface="华文楷体" panose="02010600040101010101" charset="-122"/>
+              <a:cs typeface="华文楷体" panose="02010600040101010101" charset="-122"/>
+            </a:endParaRPr>
+          </a:p>
+          <a:p>
+            <a:pPr algn="l"/>
+            <a:endParaRPr lang="zh-CN" altLang="en-US" sz="2000" b="1">
+              <a:solidFill>
+                <a:srgbClr val="FFC000"/>
+              </a:solidFill>
+              <a:latin typeface="华文楷体" panose="02010600040101010101" charset="-122"/>
+              <a:ea typeface="华文楷体" panose="02010600040101010101" charset="-122"/>
+              <a:cs typeface="华文楷体" panose="02010600040101010101" charset="-122"/>
+            </a:endParaRPr>
+          </a:p>
+          <a:p>
+            <a:pPr algn="l"/>
+            <a:r>
+              <a:rPr lang="en-US" sz="2000" b="1">
+                <a:solidFill>
+                  <a:srgbClr val="FFC000"/>
+                </a:solidFill>
+                <a:latin typeface="华文楷体" panose="02010600040101010101" charset="-122"/>
+                <a:ea typeface="华文楷体" panose="02010600040101010101" charset="-122"/>
+                <a:cs typeface="华文楷体" panose="02010600040101010101" charset="-122"/>
+              </a:rPr>
+              <a:t>&lt;mark&gt;</a:t>
+            </a:r>
+            <a:r>
+              <a:rPr lang="zh-CN" altLang="en-US" sz="2000" b="1">
+                <a:solidFill>
+                  <a:srgbClr val="FFC000"/>
+                </a:solidFill>
+                <a:latin typeface="华文楷体" panose="02010600040101010101" charset="-122"/>
+                <a:ea typeface="华文楷体" panose="02010600040101010101" charset="-122"/>
+                <a:cs typeface="华文楷体" panose="02010600040101010101" charset="-122"/>
+              </a:rPr>
+              <a:t>被</a:t>
+            </a:r>
+            <a:r>
+              <a:rPr lang="en-US" altLang="zh-CN" sz="2000" b="1">
+                <a:solidFill>
+                  <a:srgbClr val="FFC000"/>
+                </a:solidFill>
+                <a:latin typeface="华文楷体" panose="02010600040101010101" charset="-122"/>
+                <a:ea typeface="华文楷体" panose="02010600040101010101" charset="-122"/>
+                <a:cs typeface="华文楷体" panose="02010600040101010101" charset="-122"/>
+              </a:rPr>
+              <a:t>mark</a:t>
+            </a:r>
+            <a:r>
+              <a:rPr lang="zh-CN" altLang="en-US" sz="2000" b="1">
+                <a:solidFill>
+                  <a:srgbClr val="FFC000"/>
+                </a:solidFill>
+                <a:latin typeface="华文楷体" panose="02010600040101010101" charset="-122"/>
+                <a:ea typeface="华文楷体" panose="02010600040101010101" charset="-122"/>
+                <a:cs typeface="华文楷体" panose="02010600040101010101" charset="-122"/>
+              </a:rPr>
+              <a:t>标签修饰的文字</a:t>
+            </a:r>
+            <a:r>
+              <a:rPr lang="en-US" altLang="zh-CN" sz="2000" b="1">
+                <a:solidFill>
+                  <a:srgbClr val="FFC000"/>
+                </a:solidFill>
+                <a:latin typeface="华文楷体" panose="02010600040101010101" charset="-122"/>
+                <a:ea typeface="华文楷体" panose="02010600040101010101" charset="-122"/>
+                <a:cs typeface="华文楷体" panose="02010600040101010101" charset="-122"/>
+              </a:rPr>
+              <a:t>,</a:t>
+            </a:r>
+            <a:r>
+              <a:rPr lang="zh-CN" altLang="en-US" sz="2000" b="1">
+                <a:solidFill>
+                  <a:srgbClr val="FFC000"/>
+                </a:solidFill>
+                <a:latin typeface="华文楷体" panose="02010600040101010101" charset="-122"/>
+                <a:ea typeface="华文楷体" panose="02010600040101010101" charset="-122"/>
+                <a:cs typeface="华文楷体" panose="02010600040101010101" charset="-122"/>
+              </a:rPr>
+              <a:t>背景色会显示为黄色</a:t>
+            </a:r>
+            <a:r>
+              <a:rPr lang="en-US" sz="2000" b="1">
+                <a:solidFill>
+                  <a:srgbClr val="FFC000"/>
+                </a:solidFill>
+                <a:latin typeface="华文楷体" panose="02010600040101010101" charset="-122"/>
+                <a:ea typeface="华文楷体" panose="02010600040101010101" charset="-122"/>
+                <a:cs typeface="华文楷体" panose="02010600040101010101" charset="-122"/>
+              </a:rPr>
+              <a:t>&lt;/mark&gt;</a:t>
+            </a:r>
+            <a:endParaRPr lang="en-US" sz="2000" b="1">
+              <a:solidFill>
+                <a:srgbClr val="FFC000"/>
+              </a:solidFill>
+              <a:latin typeface="华文楷体" panose="02010600040101010101" charset="-122"/>
+              <a:ea typeface="华文楷体" panose="02010600040101010101" charset="-122"/>
+              <a:cs typeface="华文楷体" panose="02010600040101010101" charset="-122"/>
+            </a:endParaRPr>
+          </a:p>
+          <a:p>
+            <a:pPr algn="l"/>
+            <a:endParaRPr lang="en-US" sz="2000" b="1">
+              <a:solidFill>
+                <a:srgbClr val="FFC000"/>
+              </a:solidFill>
+              <a:latin typeface="华文楷体" panose="02010600040101010101" charset="-122"/>
+              <a:ea typeface="华文楷体" panose="02010600040101010101" charset="-122"/>
+              <a:cs typeface="华文楷体" panose="02010600040101010101" charset="-122"/>
+            </a:endParaRPr>
+          </a:p>
+          <a:p>
+            <a:pPr algn="l"/>
+            <a:r>
+              <a:rPr lang="en-US" sz="2000" b="1">
+                <a:solidFill>
+                  <a:srgbClr val="FFC000"/>
+                </a:solidFill>
+                <a:latin typeface="华文楷体" panose="02010600040101010101" charset="-122"/>
+                <a:ea typeface="华文楷体" panose="02010600040101010101" charset="-122"/>
+                <a:cs typeface="华文楷体" panose="02010600040101010101" charset="-122"/>
+              </a:rPr>
+              <a:t>&lt;u&gt;</a:t>
+            </a:r>
+            <a:r>
+              <a:rPr lang="zh-CN" altLang="en-US" sz="2000" b="1">
+                <a:solidFill>
+                  <a:srgbClr val="FFC000"/>
+                </a:solidFill>
+                <a:latin typeface="华文楷体" panose="02010600040101010101" charset="-122"/>
+                <a:ea typeface="华文楷体" panose="02010600040101010101" charset="-122"/>
+                <a:cs typeface="华文楷体" panose="02010600040101010101" charset="-122"/>
+              </a:rPr>
+              <a:t>被</a:t>
+            </a:r>
+            <a:r>
+              <a:rPr lang="en-US" altLang="zh-CN" sz="2000" b="1">
+                <a:solidFill>
+                  <a:srgbClr val="FFC000"/>
+                </a:solidFill>
+                <a:latin typeface="华文楷体" panose="02010600040101010101" charset="-122"/>
+                <a:ea typeface="华文楷体" panose="02010600040101010101" charset="-122"/>
+                <a:cs typeface="华文楷体" panose="02010600040101010101" charset="-122"/>
+              </a:rPr>
+              <a:t>u</a:t>
+            </a:r>
+            <a:r>
+              <a:rPr lang="zh-CN" altLang="en-US" sz="2000" b="1">
+                <a:solidFill>
+                  <a:srgbClr val="FFC000"/>
+                </a:solidFill>
+                <a:latin typeface="华文楷体" panose="02010600040101010101" charset="-122"/>
+                <a:ea typeface="华文楷体" panose="02010600040101010101" charset="-122"/>
+                <a:cs typeface="华文楷体" panose="02010600040101010101" charset="-122"/>
+              </a:rPr>
+              <a:t>标签修饰的文字</a:t>
+            </a:r>
+            <a:r>
+              <a:rPr lang="en-US" altLang="zh-CN" sz="2000" b="1">
+                <a:solidFill>
+                  <a:srgbClr val="FFC000"/>
+                </a:solidFill>
+                <a:latin typeface="华文楷体" panose="02010600040101010101" charset="-122"/>
+                <a:ea typeface="华文楷体" panose="02010600040101010101" charset="-122"/>
+                <a:cs typeface="华文楷体" panose="02010600040101010101" charset="-122"/>
+              </a:rPr>
+              <a:t>,</a:t>
+            </a:r>
+            <a:r>
+              <a:rPr lang="zh-CN" altLang="en-US" sz="2000" b="1">
+                <a:solidFill>
+                  <a:srgbClr val="FFC000"/>
+                </a:solidFill>
+                <a:latin typeface="华文楷体" panose="02010600040101010101" charset="-122"/>
+                <a:ea typeface="华文楷体" panose="02010600040101010101" charset="-122"/>
+                <a:cs typeface="华文楷体" panose="02010600040101010101" charset="-122"/>
+              </a:rPr>
+              <a:t>在文字下方会出现一条线</a:t>
+            </a:r>
+            <a:r>
+              <a:rPr lang="en-US" sz="2000" b="1">
+                <a:solidFill>
+                  <a:srgbClr val="FFC000"/>
+                </a:solidFill>
+                <a:latin typeface="华文楷体" panose="02010600040101010101" charset="-122"/>
+                <a:ea typeface="华文楷体" panose="02010600040101010101" charset="-122"/>
+                <a:cs typeface="华文楷体" panose="02010600040101010101" charset="-122"/>
+              </a:rPr>
+              <a:t>&lt;/u&gt;</a:t>
+            </a:r>
+            <a:endParaRPr lang="en-US" sz="2000" b="1">
+              <a:solidFill>
+                <a:srgbClr val="FFC000"/>
+              </a:solidFill>
+              <a:latin typeface="华文楷体" panose="02010600040101010101" charset="-122"/>
+              <a:ea typeface="华文楷体" panose="02010600040101010101" charset="-122"/>
+              <a:cs typeface="华文楷体" panose="02010600040101010101" charset="-122"/>
+            </a:endParaRPr>
+          </a:p>
+        </p:txBody>
+      </p:sp>
+    </p:spTree>
+  </p:cSld>
+  <p:clrMapOvr>
+    <a:masterClrMapping/>
+  </p:clrMapOvr>
+  <p:transition spd="med" advClick="0" advTm="0">
+    <p:randomBar dir="vert"/>
+  </p:transition>
+  <p:timing>
+    <p:tnLst>
+      <p:par>
+        <p:cTn id="1" dur="indefinite" restart="never" nodeType="tmRoot">
+          <p:childTnLst>
+            <p:seq concurrent="1" nextAc="seek">
+              <p:cTn id="2" dur="indefinite" nodeType="mainSeq">
+                <p:childTnLst>
+                  <p:par>
+                    <p:cTn id="3" fill="hold">
+                      <p:stCondLst>
+                        <p:cond delay="indefinite"/>
+                        <p:cond evt="onBegin" delay="0">
+                          <p:tn val="2"/>
+                        </p:cond>
+                      </p:stCondLst>
+                      <p:childTnLst>
+                        <p:par>
+                          <p:cTn id="4" fill="hold">
+                            <p:stCondLst>
+                              <p:cond delay="0"/>
+                            </p:stCondLst>
+                            <p:childTnLst>
+                              <p:par>
+                                <p:cTn id="5" presetID="42" presetClass="entr" presetSubtype="0" fill="hold" grpId="0" nodeType="withEffect">
+                                  <p:stCondLst>
+                                    <p:cond delay="0"/>
+                                  </p:stCondLst>
+                                  <p:childTnLst>
+                                    <p:set>
+                                      <p:cBhvr>
+                                        <p:cTn id="6" dur="1" fill="hold">
+                                          <p:stCondLst>
+                                            <p:cond delay="0"/>
+                                          </p:stCondLst>
+                                        </p:cTn>
+                                        <p:tgtEl>
+                                          <p:spTgt spid="101"/>
+                                        </p:tgtEl>
+                                        <p:attrNameLst>
+                                          <p:attrName>style.visibility</p:attrName>
+                                        </p:attrNameLst>
+                                      </p:cBhvr>
+                                      <p:to>
+                                        <p:strVal val="visible"/>
+                                      </p:to>
+                                    </p:set>
+                                    <p:animEffect transition="in" filter="fade">
+                                      <p:cBhvr>
+                                        <p:cTn id="7" dur="500"/>
+                                        <p:tgtEl>
+                                          <p:spTgt spid="101"/>
+                                        </p:tgtEl>
+                                      </p:cBhvr>
+                                    </p:animEffect>
+                                    <p:anim calcmode="lin" valueType="num">
+                                      <p:cBhvr>
+                                        <p:cTn id="8" dur="500" fill="hold"/>
+                                        <p:tgtEl>
+                                          <p:spTgt spid="101"/>
+                                        </p:tgtEl>
+                                        <p:attrNameLst>
+                                          <p:attrName>ppt_x</p:attrName>
+                                        </p:attrNameLst>
+                                      </p:cBhvr>
+                                      <p:tavLst>
+                                        <p:tav tm="0">
+                                          <p:val>
+                                            <p:strVal val="#ppt_x"/>
+                                          </p:val>
+                                        </p:tav>
+                                        <p:tav tm="100000">
+                                          <p:val>
+                                            <p:strVal val="#ppt_x"/>
+                                          </p:val>
+                                        </p:tav>
+                                      </p:tavLst>
+                                    </p:anim>
+                                    <p:anim calcmode="lin" valueType="num">
+                                      <p:cBhvr>
+                                        <p:cTn id="9" dur="500" fill="hold"/>
+                                        <p:tgtEl>
+                                          <p:spTgt spid="101"/>
+                                        </p:tgtEl>
+                                        <p:attrNameLst>
+                                          <p:attrName>ppt_y</p:attrName>
+                                        </p:attrNameLst>
+                                      </p:cBhvr>
+                                      <p:tavLst>
+                                        <p:tav tm="0">
+                                          <p:val>
+                                            <p:strVal val="#ppt_y+.1"/>
+                                          </p:val>
+                                        </p:tav>
+                                        <p:tav tm="100000">
+                                          <p:val>
+                                            <p:strVal val="#ppt_y"/>
+                                          </p:val>
+                                        </p:tav>
+                                      </p:tavLst>
+                                    </p:anim>
+                                  </p:childTnLst>
+                                </p:cTn>
+                              </p:par>
+                            </p:childTnLst>
+                          </p:cTn>
+                        </p:par>
+                      </p:childTnLst>
+                    </p:cTn>
+                  </p:par>
+                </p:childTnLst>
+              </p:cTn>
+              <p:prevCondLst>
+                <p:cond evt="onPrev" delay="0">
+                  <p:tgtEl>
+                    <p:sldTgt/>
+                  </p:tgtEl>
+                </p:cond>
+              </p:prevCondLst>
+              <p:nextCondLst>
+                <p:cond evt="onNext" delay="0">
+                  <p:tgtEl>
+                    <p:sldTgt/>
+                  </p:tgtEl>
+                </p:cond>
+              </p:nextCondLst>
+            </p:seq>
+          </p:childTnLst>
+        </p:cTn>
+      </p:par>
+    </p:tnLst>
+    <p:bldLst>
+      <p:bldP spid="101" grpId="0"/>
+    </p:bldLst>
+  </p:timing>
+</p:sld>
+</file>
+
+<file path=ppt/slides/slide12.xml><?xml version="1.0" encoding="utf-8"?>
+<p:sld xmlns:a="http://schemas.openxmlformats.org/drawingml/2006/main" xmlns:r="http://schemas.openxmlformats.org/officeDocument/2006/relationships" xmlns:p="http://schemas.openxmlformats.org/presentationml/2006/main">
+  <p:cSld>
+    <p:spTree>
+      <p:nvGrpSpPr>
+        <p:cNvPr id="1" name=""/>
+        <p:cNvGrpSpPr/>
+        <p:nvPr/>
+      </p:nvGrpSpPr>
+      <p:grpSpPr>
+        <a:xfrm>
+          <a:off x="0" y="0"/>
+          <a:ext cx="0" cy="0"/>
+          <a:chOff x="0" y="0"/>
+          <a:chExt cx="0" cy="0"/>
+        </a:xfrm>
+      </p:grpSpPr>
+      <p:sp>
+        <p:nvSpPr>
           <p:cNvPr id="2" name="椭圆 7"/>
           <p:cNvSpPr/>
           <p:nvPr/>
@@ -8488,6 +9208,13 @@
                 </a:rPr>
                 <a:t>课后</a:t>
               </a:r>
+              <a:endParaRPr lang="zh-CN" b="1" dirty="0">
+                <a:solidFill>
+                  <a:srgbClr val="FFC000"/>
+                </a:solidFill>
+                <a:latin typeface="微软雅黑" panose="020B0503020204020204" pitchFamily="34" charset="-122"/>
+                <a:ea typeface="微软雅黑" panose="020B0503020204020204" pitchFamily="34" charset="-122"/>
+              </a:endParaRPr>
             </a:p>
             <a:p>
               <a:pPr algn="ctr"/>
@@ -8501,6 +9228,13 @@
                 </a:rPr>
                 <a:t>总结</a:t>
               </a:r>
+              <a:endParaRPr lang="zh-CN" b="1" dirty="0">
+                <a:solidFill>
+                  <a:srgbClr val="FFC000"/>
+                </a:solidFill>
+                <a:latin typeface="微软雅黑" panose="020B0503020204020204" pitchFamily="34" charset="-122"/>
+                <a:ea typeface="微软雅黑" panose="020B0503020204020204" pitchFamily="34" charset="-122"/>
+              </a:endParaRPr>
             </a:p>
           </p:txBody>
         </p:sp>
@@ -8699,6 +9433,13 @@
                 </a:rPr>
                 <a:t>文件</a:t>
               </a:r>
+              <a:endParaRPr lang="zh-CN" altLang="en-US" sz="1200" dirty="0">
+                <a:solidFill>
+                  <a:schemeClr val="bg1"/>
+                </a:solidFill>
+                <a:latin typeface="微软雅黑" panose="020B0503020204020204" pitchFamily="34" charset="-122"/>
+                <a:ea typeface="微软雅黑" panose="020B0503020204020204" pitchFamily="34" charset="-122"/>
+              </a:endParaRPr>
             </a:p>
             <a:p>
               <a:pPr algn="ctr"/>
@@ -8712,6 +9453,13 @@
                 </a:rPr>
                 <a:t>介绍</a:t>
               </a:r>
+              <a:endParaRPr lang="zh-CN" altLang="en-US" sz="1200" dirty="0">
+                <a:solidFill>
+                  <a:schemeClr val="bg1"/>
+                </a:solidFill>
+                <a:latin typeface="微软雅黑" panose="020B0503020204020204" pitchFamily="34" charset="-122"/>
+                <a:ea typeface="微软雅黑" panose="020B0503020204020204" pitchFamily="34" charset="-122"/>
+              </a:endParaRPr>
             </a:p>
           </p:txBody>
         </p:sp>
@@ -8910,6 +9658,13 @@
                 </a:rPr>
                 <a:t>标签</a:t>
               </a:r>
+              <a:endParaRPr lang="zh-CN" sz="1200" dirty="0">
+                <a:solidFill>
+                  <a:schemeClr val="bg1"/>
+                </a:solidFill>
+                <a:latin typeface="微软雅黑" panose="020B0503020204020204" pitchFamily="34" charset="-122"/>
+                <a:ea typeface="微软雅黑" panose="020B0503020204020204" pitchFamily="34" charset="-122"/>
+              </a:endParaRPr>
             </a:p>
             <a:p>
               <a:pPr algn="ctr"/>
@@ -8923,6 +9678,13 @@
                 </a:rPr>
                 <a:t>介绍</a:t>
               </a:r>
+              <a:endParaRPr lang="zh-CN" sz="1200" dirty="0">
+                <a:solidFill>
+                  <a:schemeClr val="bg1"/>
+                </a:solidFill>
+                <a:latin typeface="微软雅黑" panose="020B0503020204020204" pitchFamily="34" charset="-122"/>
+                <a:ea typeface="微软雅黑" panose="020B0503020204020204" pitchFamily="34" charset="-122"/>
+              </a:endParaRPr>
             </a:p>
           </p:txBody>
         </p:sp>
@@ -9121,6 +9883,13 @@
                 </a:rPr>
                 <a:t>单双</a:t>
               </a:r>
+              <a:endParaRPr lang="zh-CN" sz="1200" dirty="0">
+                <a:solidFill>
+                  <a:schemeClr val="bg1"/>
+                </a:solidFill>
+                <a:latin typeface="微软雅黑" panose="020B0503020204020204" pitchFamily="34" charset="-122"/>
+                <a:ea typeface="微软雅黑" panose="020B0503020204020204" pitchFamily="34" charset="-122"/>
+              </a:endParaRPr>
             </a:p>
             <a:p>
               <a:pPr algn="ctr"/>
@@ -9134,6 +9903,13 @@
                 </a:rPr>
                 <a:t>标签</a:t>
               </a:r>
+              <a:endParaRPr lang="zh-CN" sz="1200" dirty="0">
+                <a:solidFill>
+                  <a:schemeClr val="bg1"/>
+                </a:solidFill>
+                <a:latin typeface="微软雅黑" panose="020B0503020204020204" pitchFamily="34" charset="-122"/>
+                <a:ea typeface="微软雅黑" panose="020B0503020204020204" pitchFamily="34" charset="-122"/>
+              </a:endParaRPr>
             </a:p>
           </p:txBody>
         </p:sp>
@@ -9332,6 +10108,13 @@
                 </a:rPr>
                 <a:t>快捷键</a:t>
               </a:r>
+              <a:endParaRPr lang="zh-CN" altLang="en-US" sz="1200" dirty="0">
+                <a:solidFill>
+                  <a:schemeClr val="bg1"/>
+                </a:solidFill>
+                <a:latin typeface="微软雅黑" panose="020B0503020204020204" pitchFamily="34" charset="-122"/>
+                <a:ea typeface="微软雅黑" panose="020B0503020204020204" pitchFamily="34" charset="-122"/>
+              </a:endParaRPr>
             </a:p>
           </p:txBody>
         </p:sp>
@@ -9734,7 +10517,7 @@
 </p:sld>
 </file>
 
-<file path=ppt/slides/slide12.xml><?xml version="1.0" encoding="utf-8"?>
+<file path=ppt/slides/slide13.xml><?xml version="1.0" encoding="utf-8"?>
 <p:sld xmlns:a="http://schemas.openxmlformats.org/drawingml/2006/main" xmlns:r="http://schemas.openxmlformats.org/officeDocument/2006/relationships" xmlns:p="http://schemas.openxmlformats.org/presentationml/2006/main">
   <p:cSld>
     <p:spTree>
@@ -9760,7 +10543,7 @@
           <p:nvPr/>
         </p:nvPicPr>
         <p:blipFill>
-          <a:blip r:embed="rId3" cstate="print"/>
+          <a:blip r:embed="rId1" cstate="print"/>
           <a:srcRect/>
           <a:stretch>
             <a:fillRect/>
@@ -9809,6 +10592,13 @@
               </a:rPr>
               <a:t>谢谢观看</a:t>
             </a:r>
+            <a:endParaRPr lang="zh-CN" altLang="en-US" sz="4000" b="1" dirty="0">
+              <a:solidFill>
+                <a:srgbClr val="92D050"/>
+              </a:solidFill>
+              <a:latin typeface="微软雅黑" panose="020B0503020204020204" pitchFamily="34" charset="-122"/>
+              <a:ea typeface="微软雅黑" panose="020B0503020204020204" pitchFamily="34" charset="-122"/>
+            </a:endParaRPr>
           </a:p>
         </p:txBody>
       </p:sp>
@@ -9844,6 +10634,13 @@
               </a:rPr>
               <a:t>END</a:t>
             </a:r>
+            <a:endParaRPr lang="en-US" sz="7200" b="1" spc="-300" dirty="0">
+              <a:solidFill>
+                <a:srgbClr val="FFC000"/>
+              </a:solidFill>
+              <a:latin typeface="Arial Black" panose="020B0A04020102020204" charset="0"/>
+              <a:cs typeface="Arial Black" panose="020B0A04020102020204" charset="0"/>
+            </a:endParaRPr>
           </a:p>
         </p:txBody>
       </p:sp>
@@ -10215,7 +11012,7 @@
             <a:avLst/>
           </a:prstGeom>
           <a:blipFill dpi="0" rotWithShape="1">
-            <a:blip r:embed="rId3" cstate="print"/>
+            <a:blip r:embed="rId1" cstate="print"/>
             <a:srcRect/>
             <a:stretch>
               <a:fillRect/>
@@ -10329,6 +11126,11 @@
               </a:rPr>
               <a:t>回顾</a:t>
             </a:r>
+            <a:endParaRPr lang="zh-CN" altLang="en-US" sz="3600" b="1">
+              <a:solidFill>
+                <a:srgbClr val="FFC000"/>
+              </a:solidFill>
+            </a:endParaRPr>
           </a:p>
         </p:txBody>
       </p:sp>
@@ -10628,6 +11430,11 @@
               </a:rPr>
               <a:t> </a:t>
             </a:r>
+            <a:endParaRPr lang="en-US" b="1" dirty="0">
+              <a:solidFill>
+                <a:srgbClr val="92D050"/>
+              </a:solidFill>
+            </a:endParaRPr>
           </a:p>
         </p:txBody>
       </p:sp>
@@ -10664,6 +11471,13 @@
               </a:rPr>
               <a:t>安装编辑器</a:t>
             </a:r>
+            <a:endParaRPr lang="zh-CN" altLang="en-US" sz="4800" b="1" dirty="0">
+              <a:solidFill>
+                <a:srgbClr val="FFC000"/>
+              </a:solidFill>
+              <a:latin typeface="微软雅黑" panose="020B0503020204020204" pitchFamily="34" charset="-122"/>
+              <a:ea typeface="微软雅黑" panose="020B0503020204020204" pitchFamily="34" charset="-122"/>
+            </a:endParaRPr>
           </a:p>
         </p:txBody>
       </p:sp>
@@ -10888,6 +11702,11 @@
               </a:rPr>
               <a:t> </a:t>
             </a:r>
+            <a:endParaRPr lang="en-US" b="1" dirty="0">
+              <a:solidFill>
+                <a:srgbClr val="92D050"/>
+              </a:solidFill>
+            </a:endParaRPr>
           </a:p>
         </p:txBody>
       </p:sp>
@@ -10924,15 +11743,17 @@
               </a:rPr>
               <a:t>创建工程目录</a:t>
             </a:r>
+            <a:endParaRPr lang="zh-CN" altLang="en-US" sz="4800" b="1" dirty="0">
+              <a:solidFill>
+                <a:srgbClr val="FFC000"/>
+              </a:solidFill>
+              <a:latin typeface="微软雅黑" panose="020B0503020204020204" pitchFamily="34" charset="-122"/>
+              <a:ea typeface="微软雅黑" panose="020B0503020204020204" pitchFamily="34" charset="-122"/>
+            </a:endParaRPr>
           </a:p>
         </p:txBody>
       </p:sp>
     </p:spTree>
-    <p:extLst>
-      <p:ext uri="{BB962C8B-B14F-4D97-AF65-F5344CB8AC3E}">
-        <p14:creationId xmlns:p14="http://schemas.microsoft.com/office/powerpoint/2010/main" val="1821222006"/>
-      </p:ext>
-    </p:extLst>
   </p:cSld>
   <p:clrMapOvr>
     <a:masterClrMapping/>
@@ -11153,6 +11974,11 @@
               </a:rPr>
               <a:t> </a:t>
             </a:r>
+            <a:endParaRPr lang="en-US" b="1" dirty="0">
+              <a:solidFill>
+                <a:srgbClr val="92D050"/>
+              </a:solidFill>
+            </a:endParaRPr>
           </a:p>
         </p:txBody>
       </p:sp>
@@ -11189,6 +12015,13 @@
               </a:rPr>
               <a:t>属性介绍</a:t>
             </a:r>
+            <a:endParaRPr lang="zh-CN" altLang="en-US" sz="2800" b="1" dirty="0">
+              <a:solidFill>
+                <a:srgbClr val="FFC000"/>
+              </a:solidFill>
+              <a:latin typeface="微软雅黑" panose="020B0503020204020204" pitchFamily="34" charset="-122"/>
+              <a:ea typeface="微软雅黑" panose="020B0503020204020204" pitchFamily="34" charset="-122"/>
+            </a:endParaRPr>
           </a:p>
         </p:txBody>
       </p:sp>
@@ -11272,13 +12105,7 @@
       </p:sp>
       <p:sp>
         <p:nvSpPr>
-          <p:cNvPr id="5" name="文本框 4">
-            <a:extLst>
-              <a:ext uri="{FF2B5EF4-FFF2-40B4-BE49-F238E27FC236}">
-                <a16:creationId xmlns:a16="http://schemas.microsoft.com/office/drawing/2014/main" id="{1A86AFB6-684C-4E60-8CD0-89EEF9009C9B}"/>
-              </a:ext>
-            </a:extLst>
-          </p:cNvPr>
+          <p:cNvPr id="5" name="文本框 4"/>
           <p:cNvSpPr txBox="1"/>
           <p:nvPr/>
         </p:nvSpPr>
@@ -11378,13 +12205,7 @@
       </p:sp>
       <p:sp>
         <p:nvSpPr>
-          <p:cNvPr id="6" name="文本框 5">
-            <a:extLst>
-              <a:ext uri="{FF2B5EF4-FFF2-40B4-BE49-F238E27FC236}">
-                <a16:creationId xmlns:a16="http://schemas.microsoft.com/office/drawing/2014/main" id="{BC61CA18-1049-494A-AF78-5C4CEA33F8BF}"/>
-              </a:ext>
-            </a:extLst>
-          </p:cNvPr>
+          <p:cNvPr id="6" name="文本框 5"/>
           <p:cNvSpPr txBox="1"/>
           <p:nvPr/>
         </p:nvSpPr>
@@ -11461,11 +12282,6 @@
         </p:txBody>
       </p:sp>
     </p:spTree>
-    <p:extLst>
-      <p:ext uri="{BB962C8B-B14F-4D97-AF65-F5344CB8AC3E}">
-        <p14:creationId xmlns:p14="http://schemas.microsoft.com/office/powerpoint/2010/main" val="3810150060"/>
-      </p:ext>
-    </p:extLst>
   </p:cSld>
   <p:clrMapOvr>
     <a:masterClrMapping/>
@@ -11686,6 +12502,11 @@
               </a:rPr>
               <a:t> </a:t>
             </a:r>
+            <a:endParaRPr lang="en-US" b="1" dirty="0">
+              <a:solidFill>
+                <a:srgbClr val="92D050"/>
+              </a:solidFill>
+            </a:endParaRPr>
           </a:p>
         </p:txBody>
       </p:sp>
@@ -11732,6 +12553,13 @@
               </a:rPr>
               <a:t>表单提交</a:t>
             </a:r>
+            <a:endParaRPr lang="zh-CN" altLang="en-US" sz="2800" b="1" dirty="0">
+              <a:solidFill>
+                <a:srgbClr val="FFC000"/>
+              </a:solidFill>
+              <a:latin typeface="微软雅黑" panose="020B0503020204020204" pitchFamily="34" charset="-122"/>
+              <a:ea typeface="微软雅黑" panose="020B0503020204020204" pitchFamily="34" charset="-122"/>
+            </a:endParaRPr>
           </a:p>
         </p:txBody>
       </p:sp>
@@ -11769,75 +12597,6 @@
               </a:rPr>
               <a:t>&lt;form&gt;</a:t>
             </a:r>
-          </a:p>
-          <a:p>
-            <a:pPr algn="l"/>
-            <a:r>
-              <a:rPr lang="en-US" altLang="zh-CN" sz="2000" b="1" dirty="0">
-                <a:solidFill>
-                  <a:srgbClr val="FFC000"/>
-                </a:solidFill>
-                <a:latin typeface="华文楷体" panose="02010600040101010101" charset="-122"/>
-                <a:ea typeface="华文楷体" panose="02010600040101010101" charset="-122"/>
-                <a:cs typeface="华文楷体" panose="02010600040101010101" charset="-122"/>
-              </a:rPr>
-              <a:t>	</a:t>
-            </a:r>
-            <a:r>
-              <a:rPr lang="zh-CN" altLang="en-US" sz="2000" b="1" dirty="0">
-                <a:solidFill>
-                  <a:srgbClr val="FFC000"/>
-                </a:solidFill>
-                <a:latin typeface="华文楷体" panose="02010600040101010101" charset="-122"/>
-                <a:ea typeface="华文楷体" panose="02010600040101010101" charset="-122"/>
-                <a:cs typeface="华文楷体" panose="02010600040101010101" charset="-122"/>
-              </a:rPr>
-              <a:t>表单标签</a:t>
-            </a:r>
-            <a:r>
-              <a:rPr lang="en-US" altLang="zh-CN" sz="2000" b="1" dirty="0">
-                <a:solidFill>
-                  <a:srgbClr val="FFC000"/>
-                </a:solidFill>
-                <a:latin typeface="华文楷体" panose="02010600040101010101" charset="-122"/>
-                <a:ea typeface="华文楷体" panose="02010600040101010101" charset="-122"/>
-                <a:cs typeface="华文楷体" panose="02010600040101010101" charset="-122"/>
-              </a:rPr>
-              <a:t>form</a:t>
-            </a:r>
-            <a:r>
-              <a:rPr lang="zh-CN" altLang="en-US" sz="2000" b="1" dirty="0">
-                <a:solidFill>
-                  <a:srgbClr val="FFC000"/>
-                </a:solidFill>
-                <a:latin typeface="华文楷体" panose="02010600040101010101" charset="-122"/>
-                <a:ea typeface="华文楷体" panose="02010600040101010101" charset="-122"/>
-                <a:cs typeface="华文楷体" panose="02010600040101010101" charset="-122"/>
-              </a:rPr>
-              <a:t>不可以用来修饰文字，它用来包裹</a:t>
-            </a:r>
-            <a:r>
-              <a:rPr lang="en-US" altLang="zh-CN" sz="2000" b="1" dirty="0">
-                <a:solidFill>
-                  <a:srgbClr val="FFC000"/>
-                </a:solidFill>
-                <a:latin typeface="华文楷体" panose="02010600040101010101" charset="-122"/>
-                <a:ea typeface="华文楷体" panose="02010600040101010101" charset="-122"/>
-                <a:cs typeface="华文楷体" panose="02010600040101010101" charset="-122"/>
-              </a:rPr>
-              <a:t>  </a:t>
-            </a:r>
-            <a:r>
-              <a:rPr lang="zh-CN" altLang="en-US" sz="2000" b="1" dirty="0">
-                <a:solidFill>
-                  <a:srgbClr val="FFC000"/>
-                </a:solidFill>
-                <a:latin typeface="华文楷体" panose="02010600040101010101" charset="-122"/>
-                <a:ea typeface="华文楷体" panose="02010600040101010101" charset="-122"/>
-                <a:cs typeface="华文楷体" panose="02010600040101010101" charset="-122"/>
-              </a:rPr>
-              <a:t>一组其它标签，用以形成一张表单</a:t>
-            </a:r>
             <a:endParaRPr lang="en-US" altLang="zh-CN" sz="2000" b="1" dirty="0">
               <a:solidFill>
                 <a:srgbClr val="FFC000"/>
@@ -11858,8 +12617,93 @@
                 <a:ea typeface="华文楷体" panose="02010600040101010101" charset="-122"/>
                 <a:cs typeface="华文楷体" panose="02010600040101010101" charset="-122"/>
               </a:rPr>
+              <a:t>	</a:t>
+            </a:r>
+            <a:r>
+              <a:rPr lang="zh-CN" altLang="en-US" sz="2000" b="1" dirty="0">
+                <a:solidFill>
+                  <a:srgbClr val="FFC000"/>
+                </a:solidFill>
+                <a:latin typeface="华文楷体" panose="02010600040101010101" charset="-122"/>
+                <a:ea typeface="华文楷体" panose="02010600040101010101" charset="-122"/>
+                <a:cs typeface="华文楷体" panose="02010600040101010101" charset="-122"/>
+              </a:rPr>
+              <a:t>表单标签</a:t>
+            </a:r>
+            <a:r>
+              <a:rPr lang="en-US" altLang="zh-CN" sz="2000" b="1" dirty="0">
+                <a:solidFill>
+                  <a:srgbClr val="FFC000"/>
+                </a:solidFill>
+                <a:latin typeface="华文楷体" panose="02010600040101010101" charset="-122"/>
+                <a:ea typeface="华文楷体" panose="02010600040101010101" charset="-122"/>
+                <a:cs typeface="华文楷体" panose="02010600040101010101" charset="-122"/>
+              </a:rPr>
+              <a:t>form</a:t>
+            </a:r>
+            <a:r>
+              <a:rPr lang="zh-CN" altLang="en-US" sz="2000" b="1" dirty="0">
+                <a:solidFill>
+                  <a:srgbClr val="FFC000"/>
+                </a:solidFill>
+                <a:latin typeface="华文楷体" panose="02010600040101010101" charset="-122"/>
+                <a:ea typeface="华文楷体" panose="02010600040101010101" charset="-122"/>
+                <a:cs typeface="华文楷体" panose="02010600040101010101" charset="-122"/>
+              </a:rPr>
+              <a:t>不可以用来修饰文字，它用来包裹</a:t>
+            </a:r>
+            <a:r>
+              <a:rPr lang="en-US" altLang="zh-CN" sz="2000" b="1" dirty="0">
+                <a:solidFill>
+                  <a:srgbClr val="FFC000"/>
+                </a:solidFill>
+                <a:latin typeface="华文楷体" panose="02010600040101010101" charset="-122"/>
+                <a:ea typeface="华文楷体" panose="02010600040101010101" charset="-122"/>
+                <a:cs typeface="华文楷体" panose="02010600040101010101" charset="-122"/>
+              </a:rPr>
+              <a:t>  </a:t>
+            </a:r>
+            <a:r>
+              <a:rPr lang="zh-CN" altLang="en-US" sz="2000" b="1" dirty="0">
+                <a:solidFill>
+                  <a:srgbClr val="FFC000"/>
+                </a:solidFill>
+                <a:latin typeface="华文楷体" panose="02010600040101010101" charset="-122"/>
+                <a:ea typeface="华文楷体" panose="02010600040101010101" charset="-122"/>
+                <a:cs typeface="华文楷体" panose="02010600040101010101" charset="-122"/>
+              </a:rPr>
+              <a:t>一组其它标签，用以形成一张表单</a:t>
+            </a:r>
+            <a:endParaRPr lang="en-US" altLang="zh-CN" sz="2000" b="1" dirty="0">
+              <a:solidFill>
+                <a:srgbClr val="FFC000"/>
+              </a:solidFill>
+              <a:latin typeface="华文楷体" panose="02010600040101010101" charset="-122"/>
+              <a:ea typeface="华文楷体" panose="02010600040101010101" charset="-122"/>
+              <a:cs typeface="华文楷体" panose="02010600040101010101" charset="-122"/>
+            </a:endParaRPr>
+          </a:p>
+          <a:p>
+            <a:pPr algn="l"/>
+            <a:r>
+              <a:rPr lang="en-US" altLang="zh-CN" sz="2000" b="1" dirty="0">
+                <a:solidFill>
+                  <a:srgbClr val="FFC000"/>
+                </a:solidFill>
+                <a:latin typeface="华文楷体" panose="02010600040101010101" charset="-122"/>
+                <a:ea typeface="华文楷体" panose="02010600040101010101" charset="-122"/>
+                <a:cs typeface="华文楷体" panose="02010600040101010101" charset="-122"/>
+              </a:rPr>
               <a:t>&lt;/form&gt;</a:t>
             </a:r>
+            <a:endParaRPr lang="en-US" altLang="zh-CN" sz="2000" b="1" dirty="0">
+              <a:solidFill>
+                <a:srgbClr val="FFC000"/>
+              </a:solidFill>
+              <a:latin typeface="华文楷体" panose="02010600040101010101" charset="-122"/>
+              <a:ea typeface="华文楷体" panose="02010600040101010101" charset="-122"/>
+              <a:cs typeface="华文楷体" panose="02010600040101010101" charset="-122"/>
+            </a:endParaRPr>
           </a:p>
           <a:p>
             <a:pPr algn="l"/>
@@ -11918,6 +12762,14 @@
               </a:rPr>
               <a:t>)</a:t>
             </a:r>
+            <a:endParaRPr lang="en-US" altLang="zh-CN" sz="2000" b="1" dirty="0">
+              <a:solidFill>
+                <a:srgbClr val="FFC000"/>
+              </a:solidFill>
+              <a:latin typeface="华文楷体" panose="02010600040101010101" charset="-122"/>
+              <a:ea typeface="华文楷体" panose="02010600040101010101" charset="-122"/>
+              <a:cs typeface="华文楷体" panose="02010600040101010101" charset="-122"/>
+            </a:endParaRPr>
           </a:p>
           <a:p>
             <a:pPr algn="l"/>
@@ -11932,15 +12784,18 @@
               </a:rPr>
               <a:t>	id	action		method</a:t>
             </a:r>
+            <a:endParaRPr lang="en-US" altLang="zh-CN" sz="2000" b="1" dirty="0">
+              <a:solidFill>
+                <a:srgbClr val="FFC000"/>
+              </a:solidFill>
+              <a:latin typeface="华文楷体" panose="02010600040101010101" charset="-122"/>
+              <a:ea typeface="华文楷体" panose="02010600040101010101" charset="-122"/>
+              <a:cs typeface="华文楷体" panose="02010600040101010101" charset="-122"/>
+            </a:endParaRPr>
           </a:p>
         </p:txBody>
       </p:sp>
     </p:spTree>
-    <p:extLst>
-      <p:ext uri="{BB962C8B-B14F-4D97-AF65-F5344CB8AC3E}">
-        <p14:creationId xmlns:p14="http://schemas.microsoft.com/office/powerpoint/2010/main" val="1433600291"/>
-      </p:ext>
-    </p:extLst>
   </p:cSld>
   <p:clrMapOvr>
     <a:masterClrMapping/>
@@ -12161,6 +13016,11 @@
               </a:rPr>
               <a:t> </a:t>
             </a:r>
+            <a:endParaRPr lang="en-US" b="1" dirty="0">
+              <a:solidFill>
+                <a:srgbClr val="92D050"/>
+              </a:solidFill>
+            </a:endParaRPr>
           </a:p>
         </p:txBody>
       </p:sp>
@@ -12192,8 +13052,8 @@
                 <a:solidFill>
                   <a:srgbClr val="FFC000"/>
                 </a:solidFill>
-                <a:latin typeface="仿宋" panose="02010609060101010101" pitchFamily="49" charset="-122"/>
-                <a:ea typeface="仿宋" panose="02010609060101010101" pitchFamily="49" charset="-122"/>
+                <a:latin typeface="微软雅黑" panose="020B0503020204020204" pitchFamily="34" charset="-122"/>
+                <a:ea typeface="微软雅黑" panose="020B0503020204020204" pitchFamily="34" charset="-122"/>
               </a:rPr>
               <a:t>Input</a:t>
             </a:r>
@@ -12202,11 +13062,18 @@
                 <a:solidFill>
                   <a:srgbClr val="FFC000"/>
                 </a:solidFill>
-                <a:latin typeface="仿宋" panose="02010609060101010101" pitchFamily="49" charset="-122"/>
-                <a:ea typeface="仿宋" panose="02010609060101010101" pitchFamily="49" charset="-122"/>
-              </a:rPr>
-              <a:t>标签介绍</a:t>
-            </a:r>
+                <a:latin typeface="微软雅黑" panose="020B0503020204020204" pitchFamily="34" charset="-122"/>
+                <a:ea typeface="微软雅黑" panose="020B0503020204020204" pitchFamily="34" charset="-122"/>
+              </a:rPr>
+              <a:t>标签</a:t>
+            </a:r>
+            <a:endParaRPr lang="zh-CN" altLang="en-US" sz="2800" b="1" dirty="0">
+              <a:solidFill>
+                <a:srgbClr val="FFC000"/>
+              </a:solidFill>
+              <a:latin typeface="微软雅黑" panose="020B0503020204020204" pitchFamily="34" charset="-122"/>
+              <a:ea typeface="微软雅黑" panose="020B0503020204020204" pitchFamily="34" charset="-122"/>
+            </a:endParaRPr>
           </a:p>
         </p:txBody>
       </p:sp>
@@ -12219,7 +13086,7 @@
         <p:spPr>
           <a:xfrm>
             <a:off x="1545590" y="1526540"/>
-            <a:ext cx="6863715" cy="3169285"/>
+            <a:ext cx="6139815" cy="2246769"/>
           </a:xfrm>
           <a:prstGeom prst="rect">
             <a:avLst/>
@@ -12242,114 +13109,9 @@
                 <a:ea typeface="华文楷体" panose="02010600040101010101" charset="-122"/>
                 <a:cs typeface="华文楷体" panose="02010600040101010101" charset="-122"/>
               </a:rPr>
-              <a:t>&lt;strong&gt;</a:t>
-            </a:r>
-            <a:r>
-              <a:rPr lang="zh-CN" altLang="en-US" sz="2000" b="1" dirty="0">
-                <a:solidFill>
-                  <a:srgbClr val="FFC000"/>
-                </a:solidFill>
-                <a:latin typeface="华文楷体" panose="02010600040101010101" charset="-122"/>
-                <a:ea typeface="华文楷体" panose="02010600040101010101" charset="-122"/>
-                <a:cs typeface="华文楷体" panose="02010600040101010101" charset="-122"/>
-              </a:rPr>
-              <a:t>被</a:t>
-            </a:r>
-            <a:r>
-              <a:rPr lang="en-US" altLang="zh-CN" sz="2000" b="1" dirty="0">
-                <a:solidFill>
-                  <a:srgbClr val="FFC000"/>
-                </a:solidFill>
-                <a:latin typeface="华文楷体" panose="02010600040101010101" charset="-122"/>
-                <a:ea typeface="华文楷体" panose="02010600040101010101" charset="-122"/>
-                <a:cs typeface="华文楷体" panose="02010600040101010101" charset="-122"/>
-              </a:rPr>
-              <a:t>strong</a:t>
-            </a:r>
-            <a:r>
-              <a:rPr lang="zh-CN" altLang="en-US" sz="2000" b="1" dirty="0">
-                <a:solidFill>
-                  <a:srgbClr val="FFC000"/>
-                </a:solidFill>
-                <a:latin typeface="华文楷体" panose="02010600040101010101" charset="-122"/>
-                <a:ea typeface="华文楷体" panose="02010600040101010101" charset="-122"/>
-                <a:cs typeface="华文楷体" panose="02010600040101010101" charset="-122"/>
-              </a:rPr>
-              <a:t>标签修饰的文字会出现粗体效果</a:t>
-            </a:r>
-            <a:r>
-              <a:rPr lang="en-US" altLang="zh-CN" sz="2000" b="1" dirty="0">
-                <a:solidFill>
-                  <a:srgbClr val="FFC000"/>
-                </a:solidFill>
-                <a:latin typeface="华文楷体" panose="02010600040101010101" charset="-122"/>
-                <a:ea typeface="华文楷体" panose="02010600040101010101" charset="-122"/>
-                <a:cs typeface="华文楷体" panose="02010600040101010101" charset="-122"/>
-              </a:rPr>
-              <a:t>&lt;/strong&gt;  </a:t>
-            </a:r>
-          </a:p>
-          <a:p>
-            <a:pPr algn="l"/>
-            <a:r>
-              <a:rPr lang="zh-CN" altLang="en-US" sz="2000" b="1" dirty="0">
-                <a:solidFill>
-                  <a:srgbClr val="FFC000"/>
-                </a:solidFill>
-                <a:latin typeface="华文楷体" panose="02010600040101010101" charset="-122"/>
-                <a:ea typeface="华文楷体" panose="02010600040101010101" charset="-122"/>
-                <a:cs typeface="华文楷体" panose="02010600040101010101" charset="-122"/>
-              </a:rPr>
-              <a:t>语义</a:t>
-            </a:r>
-            <a:r>
-              <a:rPr lang="en-US" altLang="zh-CN" sz="2000" b="1" dirty="0">
-                <a:solidFill>
-                  <a:srgbClr val="FFC000"/>
-                </a:solidFill>
-                <a:latin typeface="华文楷体" panose="02010600040101010101" charset="-122"/>
-                <a:ea typeface="华文楷体" panose="02010600040101010101" charset="-122"/>
-                <a:cs typeface="华文楷体" panose="02010600040101010101" charset="-122"/>
-              </a:rPr>
-              <a:t>: strong</a:t>
-            </a:r>
-            <a:r>
-              <a:rPr lang="zh-CN" altLang="en-US" sz="2000" b="1" dirty="0">
-                <a:solidFill>
-                  <a:srgbClr val="FFC000"/>
-                </a:solidFill>
-                <a:latin typeface="华文楷体" panose="02010600040101010101" charset="-122"/>
-                <a:ea typeface="华文楷体" panose="02010600040101010101" charset="-122"/>
-                <a:cs typeface="华文楷体" panose="02010600040101010101" charset="-122"/>
-              </a:rPr>
-              <a:t>在英文中本身就有强调的意思</a:t>
-            </a:r>
-            <a:r>
-              <a:rPr lang="en-US" altLang="zh-CN" sz="2000" b="1" dirty="0">
-                <a:solidFill>
-                  <a:srgbClr val="FFC000"/>
-                </a:solidFill>
-                <a:latin typeface="华文楷体" panose="02010600040101010101" charset="-122"/>
-                <a:ea typeface="华文楷体" panose="02010600040101010101" charset="-122"/>
-                <a:cs typeface="华文楷体" panose="02010600040101010101" charset="-122"/>
-              </a:rPr>
-              <a:t>,</a:t>
-            </a:r>
-            <a:r>
-              <a:rPr lang="zh-CN" altLang="en-US" sz="2000" b="1" dirty="0">
-                <a:solidFill>
-                  <a:srgbClr val="FFC000"/>
-                </a:solidFill>
-                <a:latin typeface="华文楷体" panose="02010600040101010101" charset="-122"/>
-                <a:ea typeface="华文楷体" panose="02010600040101010101" charset="-122"/>
-                <a:cs typeface="华文楷体" panose="02010600040101010101" charset="-122"/>
-              </a:rPr>
-              <a:t>所以它也是强调其所修饰的文字</a:t>
-            </a:r>
-          </a:p>
-          <a:p>
-            <a:pPr algn="l"/>
-            <a:endParaRPr lang="zh-CN" altLang="en-US" sz="2000" b="1" dirty="0">
+              <a:t>&lt;form&gt;</a:t>
+            </a:r>
+            <a:endParaRPr lang="en-US" altLang="zh-CN" sz="2000" b="1" dirty="0">
               <a:solidFill>
                 <a:srgbClr val="FFC000"/>
               </a:solidFill>
@@ -12369,7 +13131,7 @@
                 <a:ea typeface="华文楷体" panose="02010600040101010101" charset="-122"/>
                 <a:cs typeface="华文楷体" panose="02010600040101010101" charset="-122"/>
               </a:rPr>
-              <a:t>&lt;b&gt;</a:t>
+              <a:t>	</a:t>
             </a:r>
             <a:r>
               <a:rPr lang="zh-CN" altLang="en-US" sz="2000" b="1" dirty="0">
@@ -12380,10 +13142,10 @@
                 <a:ea typeface="华文楷体" panose="02010600040101010101" charset="-122"/>
                 <a:cs typeface="华文楷体" panose="02010600040101010101" charset="-122"/>
               </a:rPr>
-              <a:t>被</a:t>
-            </a:r>
-            <a:r>
-              <a:rPr lang="en-US" altLang="zh-CN" sz="2000" b="1" dirty="0" err="1">
+              <a:t>表单标签</a:t>
+            </a:r>
+            <a:r>
+              <a:rPr lang="en-US" altLang="zh-CN" sz="2000" b="1" dirty="0">
                 <a:solidFill>
                   <a:srgbClr val="FFC000"/>
                 </a:solidFill>
@@ -12391,7 +13153,7 @@
                 <a:ea typeface="华文楷体" panose="02010600040101010101" charset="-122"/>
                 <a:cs typeface="华文楷体" panose="02010600040101010101" charset="-122"/>
               </a:rPr>
-              <a:t>i</a:t>
+              <a:t>form</a:t>
             </a:r>
             <a:r>
               <a:rPr lang="zh-CN" altLang="en-US" sz="2000" b="1" dirty="0">
@@ -12402,7 +13164,7 @@
                 <a:ea typeface="华文楷体" panose="02010600040101010101" charset="-122"/>
                 <a:cs typeface="华文楷体" panose="02010600040101010101" charset="-122"/>
               </a:rPr>
-              <a:t>标签修饰的文字也会出现斜体效果</a:t>
+              <a:t>不可以用来修饰文字，它用来包裹</a:t>
             </a:r>
             <a:r>
               <a:rPr lang="en-US" altLang="zh-CN" sz="2000" b="1" dirty="0">
@@ -12413,11 +13175,8 @@
                 <a:ea typeface="华文楷体" panose="02010600040101010101" charset="-122"/>
                 <a:cs typeface="华文楷体" panose="02010600040101010101" charset="-122"/>
               </a:rPr>
-              <a:t>&lt;/b&gt;</a:t>
-            </a:r>
-          </a:p>
-          <a:p>
-            <a:pPr algn="l"/>
+              <a:t>  </a:t>
+            </a:r>
             <a:r>
               <a:rPr lang="zh-CN" altLang="en-US" sz="2000" b="1" dirty="0">
                 <a:solidFill>
@@ -12427,122 +13186,9 @@
                 <a:ea typeface="华文楷体" panose="02010600040101010101" charset="-122"/>
                 <a:cs typeface="华文楷体" panose="02010600040101010101" charset="-122"/>
               </a:rPr>
-              <a:t>语义</a:t>
-            </a:r>
-            <a:r>
-              <a:rPr lang="en-US" altLang="zh-CN" sz="2000" b="1" dirty="0">
-                <a:solidFill>
-                  <a:srgbClr val="FFC000"/>
-                </a:solidFill>
-                <a:latin typeface="华文楷体" panose="02010600040101010101" charset="-122"/>
-                <a:ea typeface="华文楷体" panose="02010600040101010101" charset="-122"/>
-                <a:cs typeface="华文楷体" panose="02010600040101010101" charset="-122"/>
-              </a:rPr>
-              <a:t>: b</a:t>
-            </a:r>
-            <a:r>
-              <a:rPr lang="zh-CN" altLang="en-US" sz="2000" b="1" dirty="0">
-                <a:solidFill>
-                  <a:srgbClr val="FFC000"/>
-                </a:solidFill>
-                <a:latin typeface="华文楷体" panose="02010600040101010101" charset="-122"/>
-                <a:ea typeface="华文楷体" panose="02010600040101010101" charset="-122"/>
-                <a:cs typeface="华文楷体" panose="02010600040101010101" charset="-122"/>
-              </a:rPr>
-              <a:t>是</a:t>
-            </a:r>
-            <a:r>
-              <a:rPr lang="en-US" altLang="zh-CN" sz="2000" b="1" dirty="0">
-                <a:solidFill>
-                  <a:srgbClr val="FFC000"/>
-                </a:solidFill>
-                <a:latin typeface="华文楷体" panose="02010600040101010101" charset="-122"/>
-                <a:ea typeface="华文楷体" panose="02010600040101010101" charset="-122"/>
-                <a:cs typeface="华文楷体" panose="02010600040101010101" charset="-122"/>
-              </a:rPr>
-              <a:t>bold(</a:t>
-            </a:r>
-            <a:r>
-              <a:rPr lang="zh-CN" altLang="en-US" sz="2000" b="1" dirty="0">
-                <a:solidFill>
-                  <a:srgbClr val="FFC000"/>
-                </a:solidFill>
-                <a:latin typeface="华文楷体" panose="02010600040101010101" charset="-122"/>
-                <a:ea typeface="华文楷体" panose="02010600040101010101" charset="-122"/>
-                <a:cs typeface="华文楷体" panose="02010600040101010101" charset="-122"/>
-              </a:rPr>
-              <a:t>粗体</a:t>
-            </a:r>
-            <a:r>
-              <a:rPr lang="en-US" altLang="zh-CN" sz="2000" b="1" dirty="0">
-                <a:solidFill>
-                  <a:srgbClr val="FFC000"/>
-                </a:solidFill>
-                <a:latin typeface="华文楷体" panose="02010600040101010101" charset="-122"/>
-                <a:ea typeface="华文楷体" panose="02010600040101010101" charset="-122"/>
-                <a:cs typeface="华文楷体" panose="02010600040101010101" charset="-122"/>
-              </a:rPr>
-              <a:t>)</a:t>
-            </a:r>
-            <a:r>
-              <a:rPr lang="zh-CN" altLang="en-US" sz="2000" b="1" dirty="0">
-                <a:solidFill>
-                  <a:srgbClr val="FFC000"/>
-                </a:solidFill>
-                <a:latin typeface="华文楷体" panose="02010600040101010101" charset="-122"/>
-                <a:ea typeface="华文楷体" panose="02010600040101010101" charset="-122"/>
-                <a:cs typeface="华文楷体" panose="02010600040101010101" charset="-122"/>
-              </a:rPr>
-              <a:t>的简写</a:t>
-            </a:r>
-            <a:r>
-              <a:rPr lang="en-US" altLang="zh-CN" sz="2000" b="1" dirty="0">
-                <a:solidFill>
-                  <a:srgbClr val="FFC000"/>
-                </a:solidFill>
-                <a:latin typeface="华文楷体" panose="02010600040101010101" charset="-122"/>
-                <a:ea typeface="华文楷体" panose="02010600040101010101" charset="-122"/>
-                <a:cs typeface="华文楷体" panose="02010600040101010101" charset="-122"/>
-              </a:rPr>
-              <a:t>,</a:t>
-            </a:r>
-            <a:r>
-              <a:rPr lang="zh-CN" altLang="en-US" sz="2000" b="1" dirty="0">
-                <a:solidFill>
-                  <a:srgbClr val="FFC000"/>
-                </a:solidFill>
-                <a:latin typeface="华文楷体" panose="02010600040101010101" charset="-122"/>
-                <a:ea typeface="华文楷体" panose="02010600040101010101" charset="-122"/>
-                <a:cs typeface="华文楷体" panose="02010600040101010101" charset="-122"/>
-              </a:rPr>
-              <a:t>所以</a:t>
-            </a:r>
-            <a:r>
-              <a:rPr lang="en-US" altLang="zh-CN" sz="2000" b="1" dirty="0">
-                <a:solidFill>
-                  <a:srgbClr val="FFC000"/>
-                </a:solidFill>
-                <a:latin typeface="华文楷体" panose="02010600040101010101" charset="-122"/>
-                <a:ea typeface="华文楷体" panose="02010600040101010101" charset="-122"/>
-                <a:cs typeface="华文楷体" panose="02010600040101010101" charset="-122"/>
-              </a:rPr>
-              <a:t>b</a:t>
-            </a:r>
-            <a:r>
-              <a:rPr lang="zh-CN" altLang="en-US" sz="2000" b="1" dirty="0">
-                <a:solidFill>
-                  <a:srgbClr val="FFC000"/>
-                </a:solidFill>
-                <a:latin typeface="华文楷体" panose="02010600040101010101" charset="-122"/>
-                <a:ea typeface="华文楷体" panose="02010600040101010101" charset="-122"/>
-                <a:cs typeface="华文楷体" panose="02010600040101010101" charset="-122"/>
-              </a:rPr>
-              <a:t>标签是加粗字体的意思</a:t>
-            </a:r>
-          </a:p>
-          <a:p>
-            <a:pPr algn="l"/>
-            <a:endParaRPr lang="zh-CN" altLang="en-US" sz="2000" b="1" dirty="0">
+              <a:t>一组其它标签，用以形成一张表单</a:t>
+            </a:r>
+            <a:endParaRPr lang="en-US" altLang="zh-CN" sz="2000" b="1" dirty="0">
               <a:solidFill>
                 <a:srgbClr val="FFC000"/>
               </a:solidFill>
@@ -12562,8 +13208,30 @@
                 <a:ea typeface="华文楷体" panose="02010600040101010101" charset="-122"/>
                 <a:cs typeface="华文楷体" panose="02010600040101010101" charset="-122"/>
               </a:rPr>
-              <a:t>&lt;strong&gt;</a:t>
-            </a:r>
+              <a:t>&lt;/form&gt;</a:t>
+            </a:r>
+            <a:endParaRPr lang="en-US" altLang="zh-CN" sz="2000" b="1" dirty="0">
+              <a:solidFill>
+                <a:srgbClr val="FFC000"/>
+              </a:solidFill>
+              <a:latin typeface="华文楷体" panose="02010600040101010101" charset="-122"/>
+              <a:ea typeface="华文楷体" panose="02010600040101010101" charset="-122"/>
+              <a:cs typeface="华文楷体" panose="02010600040101010101" charset="-122"/>
+            </a:endParaRPr>
+          </a:p>
+          <a:p>
+            <a:pPr algn="l"/>
+            <a:endParaRPr lang="en-US" altLang="zh-CN" sz="2000" b="1" dirty="0">
+              <a:solidFill>
+                <a:srgbClr val="FFC000"/>
+              </a:solidFill>
+              <a:latin typeface="华文楷体" panose="02010600040101010101" charset="-122"/>
+              <a:ea typeface="华文楷体" panose="02010600040101010101" charset="-122"/>
+              <a:cs typeface="华文楷体" panose="02010600040101010101" charset="-122"/>
+            </a:endParaRPr>
+          </a:p>
+          <a:p>
+            <a:pPr algn="l"/>
             <a:r>
               <a:rPr lang="zh-CN" altLang="en-US" sz="2000" b="1" dirty="0">
                 <a:solidFill>
@@ -12573,7 +13241,7 @@
                 <a:ea typeface="华文楷体" panose="02010600040101010101" charset="-122"/>
                 <a:cs typeface="华文楷体" panose="02010600040101010101" charset="-122"/>
               </a:rPr>
-              <a:t>标签和</a:t>
+              <a:t>表单属性</a:t>
             </a:r>
             <a:r>
               <a:rPr lang="en-US" altLang="zh-CN" sz="2000" b="1" dirty="0">
@@ -12584,18 +13252,18 @@
                 <a:ea typeface="华文楷体" panose="02010600040101010101" charset="-122"/>
                 <a:cs typeface="华文楷体" panose="02010600040101010101" charset="-122"/>
               </a:rPr>
-              <a:t>&lt;b&gt;</a:t>
+              <a:t>(</a:t>
             </a:r>
             <a:r>
               <a:rPr lang="zh-CN" altLang="en-US" sz="2000" b="1" dirty="0">
                 <a:solidFill>
-                  <a:srgbClr val="FFC000"/>
+                  <a:srgbClr val="92D050"/>
                 </a:solidFill>
                 <a:latin typeface="华文楷体" panose="02010600040101010101" charset="-122"/>
                 <a:ea typeface="华文楷体" panose="02010600040101010101" charset="-122"/>
                 <a:cs typeface="华文楷体" panose="02010600040101010101" charset="-122"/>
               </a:rPr>
-              <a:t>标签虽然表现的效果都是粗体</a:t>
+              <a:t>小写</a:t>
             </a:r>
             <a:r>
               <a:rPr lang="en-US" altLang="zh-CN" sz="2000" b="1" dirty="0">
@@ -12606,10 +13274,21 @@
                 <a:ea typeface="华文楷体" panose="02010600040101010101" charset="-122"/>
                 <a:cs typeface="华文楷体" panose="02010600040101010101" charset="-122"/>
               </a:rPr>
-              <a:t>,</a:t>
-            </a:r>
-            <a:r>
-              <a:rPr lang="zh-CN" altLang="en-US" sz="2000" b="1" dirty="0">
+              <a:t>)</a:t>
+            </a:r>
+            <a:endParaRPr lang="en-US" altLang="zh-CN" sz="2000" b="1" dirty="0">
+              <a:solidFill>
+                <a:srgbClr val="FFC000"/>
+              </a:solidFill>
+              <a:latin typeface="华文楷体" panose="02010600040101010101" charset="-122"/>
+              <a:ea typeface="华文楷体" panose="02010600040101010101" charset="-122"/>
+              <a:cs typeface="华文楷体" panose="02010600040101010101" charset="-122"/>
+            </a:endParaRPr>
+          </a:p>
+          <a:p>
+            <a:pPr algn="l"/>
+            <a:r>
+              <a:rPr lang="en-US" altLang="zh-CN" sz="2000" b="1" dirty="0">
                 <a:solidFill>
                   <a:srgbClr val="FFC000"/>
                 </a:solidFill>
@@ -12617,107 +13296,16 @@
                 <a:ea typeface="华文楷体" panose="02010600040101010101" charset="-122"/>
                 <a:cs typeface="华文楷体" panose="02010600040101010101" charset="-122"/>
               </a:rPr>
-              <a:t>但是他们一个</a:t>
-            </a:r>
-            <a:r>
-              <a:rPr lang="en-US" altLang="zh-CN" sz="2000" b="1" dirty="0">
-                <a:solidFill>
-                  <a:srgbClr val="FFC000"/>
-                </a:solidFill>
-                <a:latin typeface="华文楷体" panose="02010600040101010101" charset="-122"/>
-                <a:ea typeface="华文楷体" panose="02010600040101010101" charset="-122"/>
-                <a:cs typeface="华文楷体" panose="02010600040101010101" charset="-122"/>
-              </a:rPr>
-              <a:t>(&lt;strong&gt;)</a:t>
-            </a:r>
-            <a:r>
-              <a:rPr lang="zh-CN" altLang="en-US" sz="2000" b="1" dirty="0">
-                <a:solidFill>
-                  <a:srgbClr val="FFC000"/>
-                </a:solidFill>
-                <a:latin typeface="华文楷体" panose="02010600040101010101" charset="-122"/>
-                <a:ea typeface="华文楷体" panose="02010600040101010101" charset="-122"/>
-                <a:cs typeface="华文楷体" panose="02010600040101010101" charset="-122"/>
-              </a:rPr>
-              <a:t>是用于强调</a:t>
-            </a:r>
-            <a:r>
-              <a:rPr lang="en-US" altLang="zh-CN" sz="2000" b="1" dirty="0">
-                <a:solidFill>
-                  <a:srgbClr val="FFC000"/>
-                </a:solidFill>
-                <a:latin typeface="华文楷体" panose="02010600040101010101" charset="-122"/>
-                <a:ea typeface="华文楷体" panose="02010600040101010101" charset="-122"/>
-                <a:cs typeface="华文楷体" panose="02010600040101010101" charset="-122"/>
-              </a:rPr>
-              <a:t>,</a:t>
-            </a:r>
-            <a:r>
-              <a:rPr lang="zh-CN" altLang="en-US" sz="2000" b="1" dirty="0">
-                <a:solidFill>
-                  <a:srgbClr val="FFC000"/>
-                </a:solidFill>
-                <a:latin typeface="华文楷体" panose="02010600040101010101" charset="-122"/>
-                <a:ea typeface="华文楷体" panose="02010600040101010101" charset="-122"/>
-                <a:cs typeface="华文楷体" panose="02010600040101010101" charset="-122"/>
-              </a:rPr>
-              <a:t>一个</a:t>
-            </a:r>
-            <a:r>
-              <a:rPr lang="en-US" altLang="zh-CN" sz="2000" b="1" dirty="0">
-                <a:solidFill>
-                  <a:srgbClr val="FFC000"/>
-                </a:solidFill>
-                <a:latin typeface="华文楷体" panose="02010600040101010101" charset="-122"/>
-                <a:ea typeface="华文楷体" panose="02010600040101010101" charset="-122"/>
-                <a:cs typeface="华文楷体" panose="02010600040101010101" charset="-122"/>
-              </a:rPr>
-              <a:t>(&lt;b&gt;)</a:t>
-            </a:r>
-            <a:r>
-              <a:rPr lang="zh-CN" altLang="en-US" sz="2000" b="1" dirty="0">
-                <a:solidFill>
-                  <a:srgbClr val="FFC000"/>
-                </a:solidFill>
-                <a:latin typeface="华文楷体" panose="02010600040101010101" charset="-122"/>
-                <a:ea typeface="华文楷体" panose="02010600040101010101" charset="-122"/>
-                <a:cs typeface="华文楷体" panose="02010600040101010101" charset="-122"/>
-              </a:rPr>
-              <a:t>就是单纯的用于将文字进行粗体修饰</a:t>
-            </a:r>
-            <a:r>
-              <a:rPr lang="en-US" altLang="zh-CN" sz="2000" b="1" dirty="0">
-                <a:solidFill>
-                  <a:srgbClr val="FFC000"/>
-                </a:solidFill>
-                <a:latin typeface="华文楷体" panose="02010600040101010101" charset="-122"/>
-                <a:ea typeface="华文楷体" panose="02010600040101010101" charset="-122"/>
-                <a:cs typeface="华文楷体" panose="02010600040101010101" charset="-122"/>
-              </a:rPr>
-              <a:t>,</a:t>
-            </a:r>
-            <a:r>
-              <a:rPr lang="zh-CN" altLang="en-US" sz="2000" b="1" dirty="0">
-                <a:solidFill>
-                  <a:srgbClr val="FFC000"/>
-                </a:solidFill>
-                <a:latin typeface="华文楷体" panose="02010600040101010101" charset="-122"/>
-                <a:ea typeface="华文楷体" panose="02010600040101010101" charset="-122"/>
-                <a:cs typeface="华文楷体" panose="02010600040101010101" charset="-122"/>
-              </a:rPr>
-              <a:t>应用的时候要注意</a:t>
-            </a:r>
-            <a:r>
-              <a:rPr lang="en-US" altLang="zh-CN" sz="2000" b="1" dirty="0">
-                <a:solidFill>
-                  <a:srgbClr val="FFC000"/>
-                </a:solidFill>
-                <a:latin typeface="华文楷体" panose="02010600040101010101" charset="-122"/>
-                <a:ea typeface="华文楷体" panose="02010600040101010101" charset="-122"/>
-                <a:cs typeface="华文楷体" panose="02010600040101010101" charset="-122"/>
-              </a:rPr>
-              <a:t>!</a:t>
-            </a:r>
+              <a:t>	id	action		method</a:t>
+            </a:r>
+            <a:endParaRPr lang="en-US" altLang="zh-CN" sz="2000" b="1" dirty="0">
+              <a:solidFill>
+                <a:srgbClr val="FFC000"/>
+              </a:solidFill>
+              <a:latin typeface="华文楷体" panose="02010600040101010101" charset="-122"/>
+              <a:ea typeface="华文楷体" panose="02010600040101010101" charset="-122"/>
+              <a:cs typeface="华文楷体" panose="02010600040101010101" charset="-122"/>
+            </a:endParaRPr>
           </a:p>
         </p:txBody>
       </p:sp>
@@ -12868,6 +13456,839 @@
 </file>
 
 <file path=ppt/slides/slide8.xml><?xml version="1.0" encoding="utf-8"?>
+<p:sld xmlns:a="http://schemas.openxmlformats.org/drawingml/2006/main" xmlns:r="http://schemas.openxmlformats.org/officeDocument/2006/relationships" xmlns:p="http://schemas.openxmlformats.org/presentationml/2006/main">
+  <p:cSld>
+    <p:spTree>
+      <p:nvGrpSpPr>
+        <p:cNvPr id="1" name=""/>
+        <p:cNvGrpSpPr/>
+        <p:nvPr/>
+      </p:nvGrpSpPr>
+      <p:grpSpPr>
+        <a:xfrm>
+          <a:off x="0" y="0"/>
+          <a:ext cx="0" cy="0"/>
+          <a:chOff x="0" y="0"/>
+          <a:chExt cx="0" cy="0"/>
+        </a:xfrm>
+      </p:grpSpPr>
+      <p:sp>
+        <p:nvSpPr>
+          <p:cNvPr id="101" name="Rectangle 49"/>
+          <p:cNvSpPr>
+            <a:spLocks noChangeArrowheads="1"/>
+          </p:cNvSpPr>
+          <p:nvPr/>
+        </p:nvSpPr>
+        <p:spPr bwMode="auto">
+          <a:xfrm>
+            <a:off x="2132965" y="1329055"/>
+            <a:ext cx="4964430" cy="276860"/>
+          </a:xfrm>
+          <a:prstGeom prst="rect">
+            <a:avLst/>
+          </a:prstGeom>
+          <a:noFill/>
+          <a:ln>
+            <a:noFill/>
+          </a:ln>
+          <a:extLst>
+            <a:ext uri="{909E8E84-426E-40DD-AFC4-6F175D3DCCD1}">
+              <a14:hiddenFill xmlns:a14="http://schemas.microsoft.com/office/drawing/2010/main">
+                <a:solidFill>
+                  <a:srgbClr val="FFFFFF"/>
+                </a:solidFill>
+              </a14:hiddenFill>
+            </a:ext>
+            <a:ext uri="{91240B29-F687-4F45-9708-019B960494DF}">
+              <a14:hiddenLine xmlns:a14="http://schemas.microsoft.com/office/drawing/2010/main" w="9525">
+                <a:solidFill>
+                  <a:srgbClr val="000000"/>
+                </a:solidFill>
+                <a:miter lim="800000"/>
+                <a:headEnd/>
+                <a:tailEnd/>
+              </a14:hiddenLine>
+            </a:ext>
+          </a:extLst>
+        </p:spPr>
+        <p:txBody>
+          <a:bodyPr wrap="square" lIns="0" tIns="0" rIns="0" bIns="0">
+            <a:spAutoFit/>
+          </a:bodyPr>
+          <a:lstStyle/>
+          <a:p>
+            <a:pPr algn="ctr">
+              <a:buFont typeface="Arial" panose="020B0604020202020204" pitchFamily="34" charset="0"/>
+              <a:buNone/>
+            </a:pPr>
+            <a:r>
+              <a:rPr lang="en-US" b="1" dirty="0">
+                <a:solidFill>
+                  <a:srgbClr val="92D050"/>
+                </a:solidFill>
+              </a:rPr>
+              <a:t> </a:t>
+            </a:r>
+            <a:endParaRPr lang="en-US" b="1" dirty="0">
+              <a:solidFill>
+                <a:srgbClr val="92D050"/>
+              </a:solidFill>
+            </a:endParaRPr>
+          </a:p>
+        </p:txBody>
+      </p:sp>
+      <p:sp>
+        <p:nvSpPr>
+          <p:cNvPr id="3" name="文本框 2"/>
+          <p:cNvSpPr txBox="1"/>
+          <p:nvPr/>
+        </p:nvSpPr>
+        <p:spPr>
+          <a:xfrm>
+            <a:off x="2331720" y="895985"/>
+            <a:ext cx="4480560" cy="521970"/>
+          </a:xfrm>
+          <a:prstGeom prst="rect">
+            <a:avLst/>
+          </a:prstGeom>
+          <a:noFill/>
+        </p:spPr>
+        <p:txBody>
+          <a:bodyPr wrap="square" rtlCol="0">
+            <a:spAutoFit/>
+          </a:bodyPr>
+          <a:lstStyle/>
+          <a:p>
+            <a:pPr algn="ctr"/>
+            <a:r>
+              <a:rPr lang="en-US" altLang="zh-CN" sz="2800" b="1" dirty="0">
+                <a:solidFill>
+                  <a:srgbClr val="FFC000"/>
+                </a:solidFill>
+                <a:latin typeface="仿宋" panose="02010609060101010101" pitchFamily="49" charset="-122"/>
+                <a:ea typeface="仿宋" panose="02010609060101010101" pitchFamily="49" charset="-122"/>
+              </a:rPr>
+              <a:t>Input</a:t>
+            </a:r>
+            <a:r>
+              <a:rPr lang="zh-CN" altLang="en-US" sz="2800" b="1" dirty="0">
+                <a:solidFill>
+                  <a:srgbClr val="FFC000"/>
+                </a:solidFill>
+                <a:latin typeface="仿宋" panose="02010609060101010101" pitchFamily="49" charset="-122"/>
+                <a:ea typeface="仿宋" panose="02010609060101010101" pitchFamily="49" charset="-122"/>
+              </a:rPr>
+              <a:t>标签介绍</a:t>
+            </a:r>
+            <a:endParaRPr lang="zh-CN" altLang="en-US" sz="2800" b="1" dirty="0">
+              <a:solidFill>
+                <a:srgbClr val="FFC000"/>
+              </a:solidFill>
+              <a:latin typeface="仿宋" panose="02010609060101010101" pitchFamily="49" charset="-122"/>
+              <a:ea typeface="仿宋" panose="02010609060101010101" pitchFamily="49" charset="-122"/>
+            </a:endParaRPr>
+          </a:p>
+        </p:txBody>
+      </p:sp>
+      <p:sp>
+        <p:nvSpPr>
+          <p:cNvPr id="8" name="文本框 7"/>
+          <p:cNvSpPr txBox="1"/>
+          <p:nvPr/>
+        </p:nvSpPr>
+        <p:spPr>
+          <a:xfrm>
+            <a:off x="1545590" y="1526540"/>
+            <a:ext cx="6863715" cy="3169285"/>
+          </a:xfrm>
+          <a:prstGeom prst="rect">
+            <a:avLst/>
+          </a:prstGeom>
+          <a:noFill/>
+        </p:spPr>
+        <p:txBody>
+          <a:bodyPr wrap="square" rtlCol="0">
+            <a:spAutoFit/>
+          </a:bodyPr>
+          <a:lstStyle/>
+          <a:p>
+            <a:pPr algn="l"/>
+            <a:r>
+              <a:rPr lang="en-US" altLang="zh-CN" sz="2000" b="1" dirty="0">
+                <a:solidFill>
+                  <a:srgbClr val="FFC000"/>
+                </a:solidFill>
+                <a:latin typeface="华文楷体" panose="02010600040101010101" charset="-122"/>
+                <a:ea typeface="华文楷体" panose="02010600040101010101" charset="-122"/>
+                <a:cs typeface="华文楷体" panose="02010600040101010101" charset="-122"/>
+              </a:rPr>
+              <a:t>&lt;strong&gt;</a:t>
+            </a:r>
+            <a:r>
+              <a:rPr lang="zh-CN" altLang="en-US" sz="2000" b="1" dirty="0">
+                <a:solidFill>
+                  <a:srgbClr val="FFC000"/>
+                </a:solidFill>
+                <a:latin typeface="华文楷体" panose="02010600040101010101" charset="-122"/>
+                <a:ea typeface="华文楷体" panose="02010600040101010101" charset="-122"/>
+                <a:cs typeface="华文楷体" panose="02010600040101010101" charset="-122"/>
+              </a:rPr>
+              <a:t>被</a:t>
+            </a:r>
+            <a:r>
+              <a:rPr lang="en-US" altLang="zh-CN" sz="2000" b="1" dirty="0">
+                <a:solidFill>
+                  <a:srgbClr val="FFC000"/>
+                </a:solidFill>
+                <a:latin typeface="华文楷体" panose="02010600040101010101" charset="-122"/>
+                <a:ea typeface="华文楷体" panose="02010600040101010101" charset="-122"/>
+                <a:cs typeface="华文楷体" panose="02010600040101010101" charset="-122"/>
+              </a:rPr>
+              <a:t>strong</a:t>
+            </a:r>
+            <a:r>
+              <a:rPr lang="zh-CN" altLang="en-US" sz="2000" b="1" dirty="0">
+                <a:solidFill>
+                  <a:srgbClr val="FFC000"/>
+                </a:solidFill>
+                <a:latin typeface="华文楷体" panose="02010600040101010101" charset="-122"/>
+                <a:ea typeface="华文楷体" panose="02010600040101010101" charset="-122"/>
+                <a:cs typeface="华文楷体" panose="02010600040101010101" charset="-122"/>
+              </a:rPr>
+              <a:t>标签修饰的文字会出现粗体效果</a:t>
+            </a:r>
+            <a:r>
+              <a:rPr lang="en-US" altLang="zh-CN" sz="2000" b="1" dirty="0">
+                <a:solidFill>
+                  <a:srgbClr val="FFC000"/>
+                </a:solidFill>
+                <a:latin typeface="华文楷体" panose="02010600040101010101" charset="-122"/>
+                <a:ea typeface="华文楷体" panose="02010600040101010101" charset="-122"/>
+                <a:cs typeface="华文楷体" panose="02010600040101010101" charset="-122"/>
+              </a:rPr>
+              <a:t>&lt;/strong&gt;  </a:t>
+            </a:r>
+            <a:endParaRPr lang="en-US" altLang="zh-CN" sz="2000" b="1" dirty="0">
+              <a:solidFill>
+                <a:srgbClr val="FFC000"/>
+              </a:solidFill>
+              <a:latin typeface="华文楷体" panose="02010600040101010101" charset="-122"/>
+              <a:ea typeface="华文楷体" panose="02010600040101010101" charset="-122"/>
+              <a:cs typeface="华文楷体" panose="02010600040101010101" charset="-122"/>
+            </a:endParaRPr>
+          </a:p>
+          <a:p>
+            <a:pPr algn="l"/>
+            <a:r>
+              <a:rPr lang="zh-CN" altLang="en-US" sz="2000" b="1" dirty="0">
+                <a:solidFill>
+                  <a:srgbClr val="FFC000"/>
+                </a:solidFill>
+                <a:latin typeface="华文楷体" panose="02010600040101010101" charset="-122"/>
+                <a:ea typeface="华文楷体" panose="02010600040101010101" charset="-122"/>
+                <a:cs typeface="华文楷体" panose="02010600040101010101" charset="-122"/>
+              </a:rPr>
+              <a:t>语义</a:t>
+            </a:r>
+            <a:r>
+              <a:rPr lang="en-US" altLang="zh-CN" sz="2000" b="1" dirty="0">
+                <a:solidFill>
+                  <a:srgbClr val="FFC000"/>
+                </a:solidFill>
+                <a:latin typeface="华文楷体" panose="02010600040101010101" charset="-122"/>
+                <a:ea typeface="华文楷体" panose="02010600040101010101" charset="-122"/>
+                <a:cs typeface="华文楷体" panose="02010600040101010101" charset="-122"/>
+              </a:rPr>
+              <a:t>: strong</a:t>
+            </a:r>
+            <a:r>
+              <a:rPr lang="zh-CN" altLang="en-US" sz="2000" b="1" dirty="0">
+                <a:solidFill>
+                  <a:srgbClr val="FFC000"/>
+                </a:solidFill>
+                <a:latin typeface="华文楷体" panose="02010600040101010101" charset="-122"/>
+                <a:ea typeface="华文楷体" panose="02010600040101010101" charset="-122"/>
+                <a:cs typeface="华文楷体" panose="02010600040101010101" charset="-122"/>
+              </a:rPr>
+              <a:t>在英文中本身就有强调的意思</a:t>
+            </a:r>
+            <a:r>
+              <a:rPr lang="en-US" altLang="zh-CN" sz="2000" b="1" dirty="0">
+                <a:solidFill>
+                  <a:srgbClr val="FFC000"/>
+                </a:solidFill>
+                <a:latin typeface="华文楷体" panose="02010600040101010101" charset="-122"/>
+                <a:ea typeface="华文楷体" panose="02010600040101010101" charset="-122"/>
+                <a:cs typeface="华文楷体" panose="02010600040101010101" charset="-122"/>
+              </a:rPr>
+              <a:t>,</a:t>
+            </a:r>
+            <a:r>
+              <a:rPr lang="zh-CN" altLang="en-US" sz="2000" b="1" dirty="0">
+                <a:solidFill>
+                  <a:srgbClr val="FFC000"/>
+                </a:solidFill>
+                <a:latin typeface="华文楷体" panose="02010600040101010101" charset="-122"/>
+                <a:ea typeface="华文楷体" panose="02010600040101010101" charset="-122"/>
+                <a:cs typeface="华文楷体" panose="02010600040101010101" charset="-122"/>
+              </a:rPr>
+              <a:t>所以它也是强调其所修饰的文字</a:t>
+            </a:r>
+            <a:endParaRPr lang="zh-CN" altLang="en-US" sz="2000" b="1" dirty="0">
+              <a:solidFill>
+                <a:srgbClr val="FFC000"/>
+              </a:solidFill>
+              <a:latin typeface="华文楷体" panose="02010600040101010101" charset="-122"/>
+              <a:ea typeface="华文楷体" panose="02010600040101010101" charset="-122"/>
+              <a:cs typeface="华文楷体" panose="02010600040101010101" charset="-122"/>
+            </a:endParaRPr>
+          </a:p>
+          <a:p>
+            <a:pPr algn="l"/>
+            <a:endParaRPr lang="zh-CN" altLang="en-US" sz="2000" b="1" dirty="0">
+              <a:solidFill>
+                <a:srgbClr val="FFC000"/>
+              </a:solidFill>
+              <a:latin typeface="华文楷体" panose="02010600040101010101" charset="-122"/>
+              <a:ea typeface="华文楷体" panose="02010600040101010101" charset="-122"/>
+              <a:cs typeface="华文楷体" panose="02010600040101010101" charset="-122"/>
+            </a:endParaRPr>
+          </a:p>
+          <a:p>
+            <a:pPr algn="l"/>
+            <a:r>
+              <a:rPr lang="en-US" altLang="zh-CN" sz="2000" b="1" dirty="0">
+                <a:solidFill>
+                  <a:srgbClr val="FFC000"/>
+                </a:solidFill>
+                <a:latin typeface="华文楷体" panose="02010600040101010101" charset="-122"/>
+                <a:ea typeface="华文楷体" panose="02010600040101010101" charset="-122"/>
+                <a:cs typeface="华文楷体" panose="02010600040101010101" charset="-122"/>
+              </a:rPr>
+              <a:t>&lt;b&gt;</a:t>
+            </a:r>
+            <a:r>
+              <a:rPr lang="zh-CN" altLang="en-US" sz="2000" b="1" dirty="0">
+                <a:solidFill>
+                  <a:srgbClr val="FFC000"/>
+                </a:solidFill>
+                <a:latin typeface="华文楷体" panose="02010600040101010101" charset="-122"/>
+                <a:ea typeface="华文楷体" panose="02010600040101010101" charset="-122"/>
+                <a:cs typeface="华文楷体" panose="02010600040101010101" charset="-122"/>
+              </a:rPr>
+              <a:t>被</a:t>
+            </a:r>
+            <a:r>
+              <a:rPr lang="en-US" altLang="zh-CN" sz="2000" b="1" dirty="0" err="1">
+                <a:solidFill>
+                  <a:srgbClr val="FFC000"/>
+                </a:solidFill>
+                <a:latin typeface="华文楷体" panose="02010600040101010101" charset="-122"/>
+                <a:ea typeface="华文楷体" panose="02010600040101010101" charset="-122"/>
+                <a:cs typeface="华文楷体" panose="02010600040101010101" charset="-122"/>
+              </a:rPr>
+              <a:t>i</a:t>
+            </a:r>
+            <a:r>
+              <a:rPr lang="zh-CN" altLang="en-US" sz="2000" b="1" dirty="0">
+                <a:solidFill>
+                  <a:srgbClr val="FFC000"/>
+                </a:solidFill>
+                <a:latin typeface="华文楷体" panose="02010600040101010101" charset="-122"/>
+                <a:ea typeface="华文楷体" panose="02010600040101010101" charset="-122"/>
+                <a:cs typeface="华文楷体" panose="02010600040101010101" charset="-122"/>
+              </a:rPr>
+              <a:t>标签修饰的文字也会出现斜体效果</a:t>
+            </a:r>
+            <a:r>
+              <a:rPr lang="en-US" altLang="zh-CN" sz="2000" b="1" dirty="0">
+                <a:solidFill>
+                  <a:srgbClr val="FFC000"/>
+                </a:solidFill>
+                <a:latin typeface="华文楷体" panose="02010600040101010101" charset="-122"/>
+                <a:ea typeface="华文楷体" panose="02010600040101010101" charset="-122"/>
+                <a:cs typeface="华文楷体" panose="02010600040101010101" charset="-122"/>
+              </a:rPr>
+              <a:t>&lt;/b&gt;</a:t>
+            </a:r>
+            <a:endParaRPr lang="en-US" altLang="zh-CN" sz="2000" b="1" dirty="0">
+              <a:solidFill>
+                <a:srgbClr val="FFC000"/>
+              </a:solidFill>
+              <a:latin typeface="华文楷体" panose="02010600040101010101" charset="-122"/>
+              <a:ea typeface="华文楷体" panose="02010600040101010101" charset="-122"/>
+              <a:cs typeface="华文楷体" panose="02010600040101010101" charset="-122"/>
+            </a:endParaRPr>
+          </a:p>
+          <a:p>
+            <a:pPr algn="l"/>
+            <a:r>
+              <a:rPr lang="zh-CN" altLang="en-US" sz="2000" b="1" dirty="0">
+                <a:solidFill>
+                  <a:srgbClr val="FFC000"/>
+                </a:solidFill>
+                <a:latin typeface="华文楷体" panose="02010600040101010101" charset="-122"/>
+                <a:ea typeface="华文楷体" panose="02010600040101010101" charset="-122"/>
+                <a:cs typeface="华文楷体" panose="02010600040101010101" charset="-122"/>
+              </a:rPr>
+              <a:t>语义</a:t>
+            </a:r>
+            <a:r>
+              <a:rPr lang="en-US" altLang="zh-CN" sz="2000" b="1" dirty="0">
+                <a:solidFill>
+                  <a:srgbClr val="FFC000"/>
+                </a:solidFill>
+                <a:latin typeface="华文楷体" panose="02010600040101010101" charset="-122"/>
+                <a:ea typeface="华文楷体" panose="02010600040101010101" charset="-122"/>
+                <a:cs typeface="华文楷体" panose="02010600040101010101" charset="-122"/>
+              </a:rPr>
+              <a:t>: b</a:t>
+            </a:r>
+            <a:r>
+              <a:rPr lang="zh-CN" altLang="en-US" sz="2000" b="1" dirty="0">
+                <a:solidFill>
+                  <a:srgbClr val="FFC000"/>
+                </a:solidFill>
+                <a:latin typeface="华文楷体" panose="02010600040101010101" charset="-122"/>
+                <a:ea typeface="华文楷体" panose="02010600040101010101" charset="-122"/>
+                <a:cs typeface="华文楷体" panose="02010600040101010101" charset="-122"/>
+              </a:rPr>
+              <a:t>是</a:t>
+            </a:r>
+            <a:r>
+              <a:rPr lang="en-US" altLang="zh-CN" sz="2000" b="1" dirty="0">
+                <a:solidFill>
+                  <a:srgbClr val="FFC000"/>
+                </a:solidFill>
+                <a:latin typeface="华文楷体" panose="02010600040101010101" charset="-122"/>
+                <a:ea typeface="华文楷体" panose="02010600040101010101" charset="-122"/>
+                <a:cs typeface="华文楷体" panose="02010600040101010101" charset="-122"/>
+              </a:rPr>
+              <a:t>bold(</a:t>
+            </a:r>
+            <a:r>
+              <a:rPr lang="zh-CN" altLang="en-US" sz="2000" b="1" dirty="0">
+                <a:solidFill>
+                  <a:srgbClr val="FFC000"/>
+                </a:solidFill>
+                <a:latin typeface="华文楷体" panose="02010600040101010101" charset="-122"/>
+                <a:ea typeface="华文楷体" panose="02010600040101010101" charset="-122"/>
+                <a:cs typeface="华文楷体" panose="02010600040101010101" charset="-122"/>
+              </a:rPr>
+              <a:t>粗体</a:t>
+            </a:r>
+            <a:r>
+              <a:rPr lang="en-US" altLang="zh-CN" sz="2000" b="1" dirty="0">
+                <a:solidFill>
+                  <a:srgbClr val="FFC000"/>
+                </a:solidFill>
+                <a:latin typeface="华文楷体" panose="02010600040101010101" charset="-122"/>
+                <a:ea typeface="华文楷体" panose="02010600040101010101" charset="-122"/>
+                <a:cs typeface="华文楷体" panose="02010600040101010101" charset="-122"/>
+              </a:rPr>
+              <a:t>)</a:t>
+            </a:r>
+            <a:r>
+              <a:rPr lang="zh-CN" altLang="en-US" sz="2000" b="1" dirty="0">
+                <a:solidFill>
+                  <a:srgbClr val="FFC000"/>
+                </a:solidFill>
+                <a:latin typeface="华文楷体" panose="02010600040101010101" charset="-122"/>
+                <a:ea typeface="华文楷体" panose="02010600040101010101" charset="-122"/>
+                <a:cs typeface="华文楷体" panose="02010600040101010101" charset="-122"/>
+              </a:rPr>
+              <a:t>的简写</a:t>
+            </a:r>
+            <a:r>
+              <a:rPr lang="en-US" altLang="zh-CN" sz="2000" b="1" dirty="0">
+                <a:solidFill>
+                  <a:srgbClr val="FFC000"/>
+                </a:solidFill>
+                <a:latin typeface="华文楷体" panose="02010600040101010101" charset="-122"/>
+                <a:ea typeface="华文楷体" panose="02010600040101010101" charset="-122"/>
+                <a:cs typeface="华文楷体" panose="02010600040101010101" charset="-122"/>
+              </a:rPr>
+              <a:t>,</a:t>
+            </a:r>
+            <a:r>
+              <a:rPr lang="zh-CN" altLang="en-US" sz="2000" b="1" dirty="0">
+                <a:solidFill>
+                  <a:srgbClr val="FFC000"/>
+                </a:solidFill>
+                <a:latin typeface="华文楷体" panose="02010600040101010101" charset="-122"/>
+                <a:ea typeface="华文楷体" panose="02010600040101010101" charset="-122"/>
+                <a:cs typeface="华文楷体" panose="02010600040101010101" charset="-122"/>
+              </a:rPr>
+              <a:t>所以</a:t>
+            </a:r>
+            <a:r>
+              <a:rPr lang="en-US" altLang="zh-CN" sz="2000" b="1" dirty="0">
+                <a:solidFill>
+                  <a:srgbClr val="FFC000"/>
+                </a:solidFill>
+                <a:latin typeface="华文楷体" panose="02010600040101010101" charset="-122"/>
+                <a:ea typeface="华文楷体" panose="02010600040101010101" charset="-122"/>
+                <a:cs typeface="华文楷体" panose="02010600040101010101" charset="-122"/>
+              </a:rPr>
+              <a:t>b</a:t>
+            </a:r>
+            <a:r>
+              <a:rPr lang="zh-CN" altLang="en-US" sz="2000" b="1" dirty="0">
+                <a:solidFill>
+                  <a:srgbClr val="FFC000"/>
+                </a:solidFill>
+                <a:latin typeface="华文楷体" panose="02010600040101010101" charset="-122"/>
+                <a:ea typeface="华文楷体" panose="02010600040101010101" charset="-122"/>
+                <a:cs typeface="华文楷体" panose="02010600040101010101" charset="-122"/>
+              </a:rPr>
+              <a:t>标签是加粗字体的意思</a:t>
+            </a:r>
+            <a:endParaRPr lang="zh-CN" altLang="en-US" sz="2000" b="1" dirty="0">
+              <a:solidFill>
+                <a:srgbClr val="FFC000"/>
+              </a:solidFill>
+              <a:latin typeface="华文楷体" panose="02010600040101010101" charset="-122"/>
+              <a:ea typeface="华文楷体" panose="02010600040101010101" charset="-122"/>
+              <a:cs typeface="华文楷体" panose="02010600040101010101" charset="-122"/>
+            </a:endParaRPr>
+          </a:p>
+          <a:p>
+            <a:pPr algn="l"/>
+            <a:endParaRPr lang="zh-CN" altLang="en-US" sz="2000" b="1" dirty="0">
+              <a:solidFill>
+                <a:srgbClr val="FFC000"/>
+              </a:solidFill>
+              <a:latin typeface="华文楷体" panose="02010600040101010101" charset="-122"/>
+              <a:ea typeface="华文楷体" panose="02010600040101010101" charset="-122"/>
+              <a:cs typeface="华文楷体" panose="02010600040101010101" charset="-122"/>
+            </a:endParaRPr>
+          </a:p>
+          <a:p>
+            <a:pPr algn="l"/>
+            <a:r>
+              <a:rPr lang="en-US" altLang="zh-CN" sz="2000" b="1" dirty="0">
+                <a:solidFill>
+                  <a:srgbClr val="FFC000"/>
+                </a:solidFill>
+                <a:latin typeface="华文楷体" panose="02010600040101010101" charset="-122"/>
+                <a:ea typeface="华文楷体" panose="02010600040101010101" charset="-122"/>
+                <a:cs typeface="华文楷体" panose="02010600040101010101" charset="-122"/>
+              </a:rPr>
+              <a:t>&lt;strong&gt;</a:t>
+            </a:r>
+            <a:r>
+              <a:rPr lang="zh-CN" altLang="en-US" sz="2000" b="1" dirty="0">
+                <a:solidFill>
+                  <a:srgbClr val="FFC000"/>
+                </a:solidFill>
+                <a:latin typeface="华文楷体" panose="02010600040101010101" charset="-122"/>
+                <a:ea typeface="华文楷体" panose="02010600040101010101" charset="-122"/>
+                <a:cs typeface="华文楷体" panose="02010600040101010101" charset="-122"/>
+              </a:rPr>
+              <a:t>标签和</a:t>
+            </a:r>
+            <a:r>
+              <a:rPr lang="en-US" altLang="zh-CN" sz="2000" b="1" dirty="0">
+                <a:solidFill>
+                  <a:srgbClr val="FFC000"/>
+                </a:solidFill>
+                <a:latin typeface="华文楷体" panose="02010600040101010101" charset="-122"/>
+                <a:ea typeface="华文楷体" panose="02010600040101010101" charset="-122"/>
+                <a:cs typeface="华文楷体" panose="02010600040101010101" charset="-122"/>
+              </a:rPr>
+              <a:t>&lt;b&gt;</a:t>
+            </a:r>
+            <a:r>
+              <a:rPr lang="zh-CN" altLang="en-US" sz="2000" b="1" dirty="0">
+                <a:solidFill>
+                  <a:srgbClr val="FFC000"/>
+                </a:solidFill>
+                <a:latin typeface="华文楷体" panose="02010600040101010101" charset="-122"/>
+                <a:ea typeface="华文楷体" panose="02010600040101010101" charset="-122"/>
+                <a:cs typeface="华文楷体" panose="02010600040101010101" charset="-122"/>
+              </a:rPr>
+              <a:t>标签虽然表现的效果都是粗体</a:t>
+            </a:r>
+            <a:r>
+              <a:rPr lang="en-US" altLang="zh-CN" sz="2000" b="1" dirty="0">
+                <a:solidFill>
+                  <a:srgbClr val="FFC000"/>
+                </a:solidFill>
+                <a:latin typeface="华文楷体" panose="02010600040101010101" charset="-122"/>
+                <a:ea typeface="华文楷体" panose="02010600040101010101" charset="-122"/>
+                <a:cs typeface="华文楷体" panose="02010600040101010101" charset="-122"/>
+              </a:rPr>
+              <a:t>,</a:t>
+            </a:r>
+            <a:r>
+              <a:rPr lang="zh-CN" altLang="en-US" sz="2000" b="1" dirty="0">
+                <a:solidFill>
+                  <a:srgbClr val="FFC000"/>
+                </a:solidFill>
+                <a:latin typeface="华文楷体" panose="02010600040101010101" charset="-122"/>
+                <a:ea typeface="华文楷体" panose="02010600040101010101" charset="-122"/>
+                <a:cs typeface="华文楷体" panose="02010600040101010101" charset="-122"/>
+              </a:rPr>
+              <a:t>但是他们一个</a:t>
+            </a:r>
+            <a:r>
+              <a:rPr lang="en-US" altLang="zh-CN" sz="2000" b="1" dirty="0">
+                <a:solidFill>
+                  <a:srgbClr val="FFC000"/>
+                </a:solidFill>
+                <a:latin typeface="华文楷体" panose="02010600040101010101" charset="-122"/>
+                <a:ea typeface="华文楷体" panose="02010600040101010101" charset="-122"/>
+                <a:cs typeface="华文楷体" panose="02010600040101010101" charset="-122"/>
+              </a:rPr>
+              <a:t>(&lt;strong&gt;)</a:t>
+            </a:r>
+            <a:r>
+              <a:rPr lang="zh-CN" altLang="en-US" sz="2000" b="1" dirty="0">
+                <a:solidFill>
+                  <a:srgbClr val="FFC000"/>
+                </a:solidFill>
+                <a:latin typeface="华文楷体" panose="02010600040101010101" charset="-122"/>
+                <a:ea typeface="华文楷体" panose="02010600040101010101" charset="-122"/>
+                <a:cs typeface="华文楷体" panose="02010600040101010101" charset="-122"/>
+              </a:rPr>
+              <a:t>是用于强调</a:t>
+            </a:r>
+            <a:r>
+              <a:rPr lang="en-US" altLang="zh-CN" sz="2000" b="1" dirty="0">
+                <a:solidFill>
+                  <a:srgbClr val="FFC000"/>
+                </a:solidFill>
+                <a:latin typeface="华文楷体" panose="02010600040101010101" charset="-122"/>
+                <a:ea typeface="华文楷体" panose="02010600040101010101" charset="-122"/>
+                <a:cs typeface="华文楷体" panose="02010600040101010101" charset="-122"/>
+              </a:rPr>
+              <a:t>,</a:t>
+            </a:r>
+            <a:r>
+              <a:rPr lang="zh-CN" altLang="en-US" sz="2000" b="1" dirty="0">
+                <a:solidFill>
+                  <a:srgbClr val="FFC000"/>
+                </a:solidFill>
+                <a:latin typeface="华文楷体" panose="02010600040101010101" charset="-122"/>
+                <a:ea typeface="华文楷体" panose="02010600040101010101" charset="-122"/>
+                <a:cs typeface="华文楷体" panose="02010600040101010101" charset="-122"/>
+              </a:rPr>
+              <a:t>一个</a:t>
+            </a:r>
+            <a:r>
+              <a:rPr lang="en-US" altLang="zh-CN" sz="2000" b="1" dirty="0">
+                <a:solidFill>
+                  <a:srgbClr val="FFC000"/>
+                </a:solidFill>
+                <a:latin typeface="华文楷体" panose="02010600040101010101" charset="-122"/>
+                <a:ea typeface="华文楷体" panose="02010600040101010101" charset="-122"/>
+                <a:cs typeface="华文楷体" panose="02010600040101010101" charset="-122"/>
+              </a:rPr>
+              <a:t>(&lt;b&gt;)</a:t>
+            </a:r>
+            <a:r>
+              <a:rPr lang="zh-CN" altLang="en-US" sz="2000" b="1" dirty="0">
+                <a:solidFill>
+                  <a:srgbClr val="FFC000"/>
+                </a:solidFill>
+                <a:latin typeface="华文楷体" panose="02010600040101010101" charset="-122"/>
+                <a:ea typeface="华文楷体" panose="02010600040101010101" charset="-122"/>
+                <a:cs typeface="华文楷体" panose="02010600040101010101" charset="-122"/>
+              </a:rPr>
+              <a:t>就是单纯的用于将文字进行粗体修饰</a:t>
+            </a:r>
+            <a:r>
+              <a:rPr lang="en-US" altLang="zh-CN" sz="2000" b="1" dirty="0">
+                <a:solidFill>
+                  <a:srgbClr val="FFC000"/>
+                </a:solidFill>
+                <a:latin typeface="华文楷体" panose="02010600040101010101" charset="-122"/>
+                <a:ea typeface="华文楷体" panose="02010600040101010101" charset="-122"/>
+                <a:cs typeface="华文楷体" panose="02010600040101010101" charset="-122"/>
+              </a:rPr>
+              <a:t>,</a:t>
+            </a:r>
+            <a:r>
+              <a:rPr lang="zh-CN" altLang="en-US" sz="2000" b="1" dirty="0">
+                <a:solidFill>
+                  <a:srgbClr val="FFC000"/>
+                </a:solidFill>
+                <a:latin typeface="华文楷体" panose="02010600040101010101" charset="-122"/>
+                <a:ea typeface="华文楷体" panose="02010600040101010101" charset="-122"/>
+                <a:cs typeface="华文楷体" panose="02010600040101010101" charset="-122"/>
+              </a:rPr>
+              <a:t>应用的时候要注意</a:t>
+            </a:r>
+            <a:r>
+              <a:rPr lang="en-US" altLang="zh-CN" sz="2000" b="1" dirty="0">
+                <a:solidFill>
+                  <a:srgbClr val="FFC000"/>
+                </a:solidFill>
+                <a:latin typeface="华文楷体" panose="02010600040101010101" charset="-122"/>
+                <a:ea typeface="华文楷体" panose="02010600040101010101" charset="-122"/>
+                <a:cs typeface="华文楷体" panose="02010600040101010101" charset="-122"/>
+              </a:rPr>
+              <a:t>!</a:t>
+            </a:r>
+            <a:endParaRPr lang="en-US" altLang="zh-CN" sz="2000" b="1" dirty="0">
+              <a:solidFill>
+                <a:srgbClr val="FFC000"/>
+              </a:solidFill>
+              <a:latin typeface="华文楷体" panose="02010600040101010101" charset="-122"/>
+              <a:ea typeface="华文楷体" panose="02010600040101010101" charset="-122"/>
+              <a:cs typeface="华文楷体" panose="02010600040101010101" charset="-122"/>
+            </a:endParaRPr>
+          </a:p>
+        </p:txBody>
+      </p:sp>
+    </p:spTree>
+  </p:cSld>
+  <p:clrMapOvr>
+    <a:masterClrMapping/>
+  </p:clrMapOvr>
+  <p:transition spd="med" advClick="0" advTm="0">
+    <p:randomBar dir="vert"/>
+  </p:transition>
+  <p:timing>
+    <p:tnLst>
+      <p:par>
+        <p:cTn id="1" dur="indefinite" restart="never" nodeType="tmRoot">
+          <p:childTnLst>
+            <p:seq concurrent="1" nextAc="seek">
+              <p:cTn id="2" dur="indefinite" nodeType="mainSeq">
+                <p:childTnLst>
+                  <p:par>
+                    <p:cTn id="3" fill="hold">
+                      <p:stCondLst>
+                        <p:cond delay="indefinite"/>
+                        <p:cond evt="onBegin" delay="0">
+                          <p:tn val="2"/>
+                        </p:cond>
+                      </p:stCondLst>
+                      <p:childTnLst>
+                        <p:par>
+                          <p:cTn id="4" fill="hold">
+                            <p:stCondLst>
+                              <p:cond delay="0"/>
+                            </p:stCondLst>
+                            <p:childTnLst>
+                              <p:par>
+                                <p:cTn id="5" presetID="42" presetClass="entr" presetSubtype="0" fill="hold" grpId="0" nodeType="withEffect">
+                                  <p:stCondLst>
+                                    <p:cond delay="0"/>
+                                  </p:stCondLst>
+                                  <p:childTnLst>
+                                    <p:set>
+                                      <p:cBhvr>
+                                        <p:cTn id="6" dur="1" fill="hold">
+                                          <p:stCondLst>
+                                            <p:cond delay="0"/>
+                                          </p:stCondLst>
+                                        </p:cTn>
+                                        <p:tgtEl>
+                                          <p:spTgt spid="101"/>
+                                        </p:tgtEl>
+                                        <p:attrNameLst>
+                                          <p:attrName>style.visibility</p:attrName>
+                                        </p:attrNameLst>
+                                      </p:cBhvr>
+                                      <p:to>
+                                        <p:strVal val="visible"/>
+                                      </p:to>
+                                    </p:set>
+                                    <p:animEffect transition="in" filter="fade">
+                                      <p:cBhvr>
+                                        <p:cTn id="7" dur="500"/>
+                                        <p:tgtEl>
+                                          <p:spTgt spid="101"/>
+                                        </p:tgtEl>
+                                      </p:cBhvr>
+                                    </p:animEffect>
+                                    <p:anim calcmode="lin" valueType="num">
+                                      <p:cBhvr>
+                                        <p:cTn id="8" dur="500" fill="hold"/>
+                                        <p:tgtEl>
+                                          <p:spTgt spid="101"/>
+                                        </p:tgtEl>
+                                        <p:attrNameLst>
+                                          <p:attrName>ppt_x</p:attrName>
+                                        </p:attrNameLst>
+                                      </p:cBhvr>
+                                      <p:tavLst>
+                                        <p:tav tm="0">
+                                          <p:val>
+                                            <p:strVal val="#ppt_x"/>
+                                          </p:val>
+                                        </p:tav>
+                                        <p:tav tm="100000">
+                                          <p:val>
+                                            <p:strVal val="#ppt_x"/>
+                                          </p:val>
+                                        </p:tav>
+                                      </p:tavLst>
+                                    </p:anim>
+                                    <p:anim calcmode="lin" valueType="num">
+                                      <p:cBhvr>
+                                        <p:cTn id="9" dur="500" fill="hold"/>
+                                        <p:tgtEl>
+                                          <p:spTgt spid="101"/>
+                                        </p:tgtEl>
+                                        <p:attrNameLst>
+                                          <p:attrName>ppt_y</p:attrName>
+                                        </p:attrNameLst>
+                                      </p:cBhvr>
+                                      <p:tavLst>
+                                        <p:tav tm="0">
+                                          <p:val>
+                                            <p:strVal val="#ppt_y+.1"/>
+                                          </p:val>
+                                        </p:tav>
+                                        <p:tav tm="100000">
+                                          <p:val>
+                                            <p:strVal val="#ppt_y"/>
+                                          </p:val>
+                                        </p:tav>
+                                      </p:tavLst>
+                                    </p:anim>
+                                  </p:childTnLst>
+                                </p:cTn>
+                              </p:par>
+                            </p:childTnLst>
+                          </p:cTn>
+                        </p:par>
+                      </p:childTnLst>
+                    </p:cTn>
+                  </p:par>
+                </p:childTnLst>
+              </p:cTn>
+              <p:prevCondLst>
+                <p:cond evt="onPrev" delay="0">
+                  <p:tgtEl>
+                    <p:sldTgt/>
+                  </p:tgtEl>
+                </p:cond>
+              </p:prevCondLst>
+              <p:nextCondLst>
+                <p:cond evt="onNext" delay="0">
+                  <p:tgtEl>
+                    <p:sldTgt/>
+                  </p:tgtEl>
+                </p:cond>
+              </p:nextCondLst>
+            </p:seq>
+          </p:childTnLst>
+        </p:cTn>
+      </p:par>
+    </p:tnLst>
+    <p:bldLst>
+      <p:bldP spid="101" grpId="0"/>
+    </p:bldLst>
+  </p:timing>
+</p:sld>
+</file>
+
+<file path=ppt/slides/slide9.xml><?xml version="1.0" encoding="utf-8"?>
 <p:sld xmlns:a="http://schemas.openxmlformats.org/drawingml/2006/main" xmlns:r="http://schemas.openxmlformats.org/officeDocument/2006/relationships" xmlns:p="http://schemas.openxmlformats.org/presentationml/2006/main">
   <p:cSld>
     <p:spTree>
@@ -13076,6 +14497,13 @@
               </a:rPr>
               <a:t>的强调语气更重一点</a:t>
             </a:r>
+            <a:endParaRPr lang="zh-CN" altLang="en-US" sz="1600" b="1" dirty="0">
+              <a:solidFill>
+                <a:srgbClr val="FFC000"/>
+              </a:solidFill>
+              <a:latin typeface="微软雅黑" panose="020B0503020204020204" pitchFamily="34" charset="-122"/>
+              <a:ea typeface="微软雅黑" panose="020B0503020204020204" pitchFamily="34" charset="-122"/>
+            </a:endParaRPr>
           </a:p>
         </p:txBody>
       </p:sp>
@@ -13284,6 +14712,11 @@
               </a:rPr>
               <a:t>&lt;em&gt;</a:t>
             </a:r>
+            <a:endParaRPr lang="en-US" altLang="zh-CN" sz="2400" b="1">
+              <a:solidFill>
+                <a:srgbClr val="FFC000"/>
+              </a:solidFill>
+            </a:endParaRPr>
           </a:p>
         </p:txBody>
       </p:sp>
@@ -13318,6 +14751,11 @@
               </a:rPr>
               <a:t>&lt;strong&gt;</a:t>
             </a:r>
+            <a:endParaRPr lang="en-US" altLang="zh-CN" sz="2400" b="1">
+              <a:solidFill>
+                <a:srgbClr val="FFC000"/>
+              </a:solidFill>
+            </a:endParaRPr>
           </a:p>
         </p:txBody>
       </p:sp>
@@ -13765,570 +15203,6 @@
 </p:sld>
 </file>
 
-<file path=ppt/slides/slide9.xml><?xml version="1.0" encoding="utf-8"?>
-<p:sld xmlns:a="http://schemas.openxmlformats.org/drawingml/2006/main" xmlns:r="http://schemas.openxmlformats.org/officeDocument/2006/relationships" xmlns:p="http://schemas.openxmlformats.org/presentationml/2006/main">
-  <p:cSld>
-    <p:spTree>
-      <p:nvGrpSpPr>
-        <p:cNvPr id="1" name=""/>
-        <p:cNvGrpSpPr/>
-        <p:nvPr/>
-      </p:nvGrpSpPr>
-      <p:grpSpPr>
-        <a:xfrm>
-          <a:off x="0" y="0"/>
-          <a:ext cx="0" cy="0"/>
-          <a:chOff x="0" y="0"/>
-          <a:chExt cx="0" cy="0"/>
-        </a:xfrm>
-      </p:grpSpPr>
-      <p:sp>
-        <p:nvSpPr>
-          <p:cNvPr id="101" name="Rectangle 49"/>
-          <p:cNvSpPr>
-            <a:spLocks noChangeArrowheads="1"/>
-          </p:cNvSpPr>
-          <p:nvPr/>
-        </p:nvSpPr>
-        <p:spPr bwMode="auto">
-          <a:xfrm>
-            <a:off x="2132965" y="1329055"/>
-            <a:ext cx="4964430" cy="276860"/>
-          </a:xfrm>
-          <a:prstGeom prst="rect">
-            <a:avLst/>
-          </a:prstGeom>
-          <a:noFill/>
-          <a:ln>
-            <a:noFill/>
-          </a:ln>
-          <a:extLst>
-            <a:ext uri="{909E8E84-426E-40DD-AFC4-6F175D3DCCD1}">
-              <a14:hiddenFill xmlns:a14="http://schemas.microsoft.com/office/drawing/2010/main">
-                <a:solidFill>
-                  <a:srgbClr val="FFFFFF"/>
-                </a:solidFill>
-              </a14:hiddenFill>
-            </a:ext>
-            <a:ext uri="{91240B29-F687-4F45-9708-019B960494DF}">
-              <a14:hiddenLine xmlns:a14="http://schemas.microsoft.com/office/drawing/2010/main" w="9525">
-                <a:solidFill>
-                  <a:srgbClr val="000000"/>
-                </a:solidFill>
-                <a:miter lim="800000"/>
-                <a:headEnd/>
-                <a:tailEnd/>
-              </a14:hiddenLine>
-            </a:ext>
-          </a:extLst>
-        </p:spPr>
-        <p:txBody>
-          <a:bodyPr wrap="square" lIns="0" tIns="0" rIns="0" bIns="0">
-            <a:spAutoFit/>
-          </a:bodyPr>
-          <a:lstStyle/>
-          <a:p>
-            <a:pPr algn="ctr">
-              <a:buFont typeface="Arial" panose="020B0604020202020204" pitchFamily="34" charset="0"/>
-              <a:buNone/>
-            </a:pPr>
-            <a:r>
-              <a:rPr lang="en-US" b="1" dirty="0">
-                <a:solidFill>
-                  <a:srgbClr val="92D050"/>
-                </a:solidFill>
-              </a:rPr>
-              <a:t> </a:t>
-            </a:r>
-          </a:p>
-        </p:txBody>
-      </p:sp>
-      <p:sp>
-        <p:nvSpPr>
-          <p:cNvPr id="3" name="文本框 2"/>
-          <p:cNvSpPr txBox="1"/>
-          <p:nvPr/>
-        </p:nvSpPr>
-        <p:spPr>
-          <a:xfrm>
-            <a:off x="2331720" y="895985"/>
-            <a:ext cx="4480560" cy="521970"/>
-          </a:xfrm>
-          <a:prstGeom prst="rect">
-            <a:avLst/>
-          </a:prstGeom>
-          <a:noFill/>
-        </p:spPr>
-        <p:txBody>
-          <a:bodyPr wrap="square" rtlCol="0">
-            <a:spAutoFit/>
-          </a:bodyPr>
-          <a:lstStyle/>
-          <a:p>
-            <a:pPr algn="ctr"/>
-            <a:r>
-              <a:rPr lang="zh-CN" altLang="en-US" sz="2800" b="1">
-                <a:solidFill>
-                  <a:srgbClr val="FFC000"/>
-                </a:solidFill>
-                <a:latin typeface="华文行楷" panose="02010800040101010101" charset="-122"/>
-                <a:ea typeface="华文行楷" panose="02010800040101010101" charset="-122"/>
-              </a:rPr>
-              <a:t>常用字体修饰标签</a:t>
-            </a:r>
-          </a:p>
-        </p:txBody>
-      </p:sp>
-      <p:sp>
-        <p:nvSpPr>
-          <p:cNvPr id="8" name="文本框 7"/>
-          <p:cNvSpPr txBox="1"/>
-          <p:nvPr/>
-        </p:nvSpPr>
-        <p:spPr>
-          <a:xfrm>
-            <a:off x="1140460" y="1519555"/>
-            <a:ext cx="6863715" cy="2245360"/>
-          </a:xfrm>
-          <a:prstGeom prst="rect">
-            <a:avLst/>
-          </a:prstGeom>
-          <a:noFill/>
-        </p:spPr>
-        <p:txBody>
-          <a:bodyPr wrap="square" rtlCol="0">
-            <a:spAutoFit/>
-          </a:bodyPr>
-          <a:lstStyle/>
-          <a:p>
-            <a:pPr algn="ctr"/>
-            <a:r>
-              <a:rPr lang="en-US" sz="2000" b="1">
-                <a:solidFill>
-                  <a:srgbClr val="FFC000"/>
-                </a:solidFill>
-                <a:latin typeface="华文楷体" panose="02010600040101010101" charset="-122"/>
-                <a:ea typeface="华文楷体" panose="02010600040101010101" charset="-122"/>
-                <a:cs typeface="华文楷体" panose="02010600040101010101" charset="-122"/>
-              </a:rPr>
-              <a:t>&lt;big&gt;</a:t>
-            </a:r>
-            <a:r>
-              <a:rPr lang="zh-CN" altLang="en-US" sz="2000" b="1">
-                <a:solidFill>
-                  <a:srgbClr val="FFC000"/>
-                </a:solidFill>
-                <a:latin typeface="华文楷体" panose="02010600040101010101" charset="-122"/>
-                <a:ea typeface="华文楷体" panose="02010600040101010101" charset="-122"/>
-                <a:cs typeface="华文楷体" panose="02010600040101010101" charset="-122"/>
-              </a:rPr>
-              <a:t>被</a:t>
-            </a:r>
-            <a:r>
-              <a:rPr lang="en-US" altLang="zh-CN" sz="2000" b="1">
-                <a:solidFill>
-                  <a:srgbClr val="FFC000"/>
-                </a:solidFill>
-                <a:latin typeface="华文楷体" panose="02010600040101010101" charset="-122"/>
-                <a:ea typeface="华文楷体" panose="02010600040101010101" charset="-122"/>
-                <a:cs typeface="华文楷体" panose="02010600040101010101" charset="-122"/>
-              </a:rPr>
-              <a:t>big</a:t>
-            </a:r>
-            <a:r>
-              <a:rPr lang="zh-CN" altLang="en-US" sz="2000" b="1">
-                <a:solidFill>
-                  <a:srgbClr val="FFC000"/>
-                </a:solidFill>
-                <a:latin typeface="华文楷体" panose="02010600040101010101" charset="-122"/>
-                <a:ea typeface="华文楷体" panose="02010600040101010101" charset="-122"/>
-                <a:cs typeface="华文楷体" panose="02010600040101010101" charset="-122"/>
-              </a:rPr>
-              <a:t>标签修饰的文字会放大字体</a:t>
-            </a:r>
-            <a:r>
-              <a:rPr lang="en-US" sz="2000" b="1">
-                <a:solidFill>
-                  <a:srgbClr val="FFC000"/>
-                </a:solidFill>
-                <a:latin typeface="华文楷体" panose="02010600040101010101" charset="-122"/>
-                <a:ea typeface="华文楷体" panose="02010600040101010101" charset="-122"/>
-                <a:cs typeface="华文楷体" panose="02010600040101010101" charset="-122"/>
-              </a:rPr>
-              <a:t>&lt;/big&gt;</a:t>
-            </a:r>
-            <a:endParaRPr lang="zh-CN" altLang="en-US" sz="2000" b="1">
-              <a:solidFill>
-                <a:srgbClr val="FFC000"/>
-              </a:solidFill>
-              <a:latin typeface="华文楷体" panose="02010600040101010101" charset="-122"/>
-              <a:ea typeface="华文楷体" panose="02010600040101010101" charset="-122"/>
-              <a:cs typeface="华文楷体" panose="02010600040101010101" charset="-122"/>
-            </a:endParaRPr>
-          </a:p>
-          <a:p>
-            <a:pPr algn="ctr"/>
-            <a:endParaRPr lang="zh-CN" altLang="en-US" sz="2000" b="1">
-              <a:solidFill>
-                <a:srgbClr val="FFC000"/>
-              </a:solidFill>
-              <a:latin typeface="华文楷体" panose="02010600040101010101" charset="-122"/>
-              <a:ea typeface="华文楷体" panose="02010600040101010101" charset="-122"/>
-              <a:cs typeface="华文楷体" panose="02010600040101010101" charset="-122"/>
-            </a:endParaRPr>
-          </a:p>
-          <a:p>
-            <a:pPr algn="ctr"/>
-            <a:r>
-              <a:rPr lang="en-US" sz="2000" b="1">
-                <a:solidFill>
-                  <a:srgbClr val="FFC000"/>
-                </a:solidFill>
-                <a:latin typeface="华文楷体" panose="02010600040101010101" charset="-122"/>
-                <a:ea typeface="华文楷体" panose="02010600040101010101" charset="-122"/>
-                <a:cs typeface="华文楷体" panose="02010600040101010101" charset="-122"/>
-              </a:rPr>
-              <a:t>&lt;small&gt;</a:t>
-            </a:r>
-            <a:r>
-              <a:rPr lang="zh-CN" altLang="en-US" sz="2000" b="1">
-                <a:solidFill>
-                  <a:srgbClr val="FFC000"/>
-                </a:solidFill>
-                <a:latin typeface="华文楷体" panose="02010600040101010101" charset="-122"/>
-                <a:ea typeface="华文楷体" panose="02010600040101010101" charset="-122"/>
-                <a:cs typeface="华文楷体" panose="02010600040101010101" charset="-122"/>
-              </a:rPr>
-              <a:t>被</a:t>
-            </a:r>
-            <a:r>
-              <a:rPr lang="en-US" altLang="zh-CN" sz="2000" b="1">
-                <a:solidFill>
-                  <a:srgbClr val="FFC000"/>
-                </a:solidFill>
-                <a:latin typeface="华文楷体" panose="02010600040101010101" charset="-122"/>
-                <a:ea typeface="华文楷体" panose="02010600040101010101" charset="-122"/>
-                <a:cs typeface="华文楷体" panose="02010600040101010101" charset="-122"/>
-              </a:rPr>
-              <a:t>small</a:t>
-            </a:r>
-            <a:r>
-              <a:rPr lang="zh-CN" altLang="en-US" sz="2000" b="1">
-                <a:solidFill>
-                  <a:srgbClr val="FFC000"/>
-                </a:solidFill>
-                <a:latin typeface="华文楷体" panose="02010600040101010101" charset="-122"/>
-                <a:ea typeface="华文楷体" panose="02010600040101010101" charset="-122"/>
-                <a:cs typeface="华文楷体" panose="02010600040101010101" charset="-122"/>
-              </a:rPr>
-              <a:t>修饰的文字会缩小字体</a:t>
-            </a:r>
-            <a:r>
-              <a:rPr lang="en-US" sz="2000" b="1">
-                <a:solidFill>
-                  <a:srgbClr val="FFC000"/>
-                </a:solidFill>
-                <a:latin typeface="华文楷体" panose="02010600040101010101" charset="-122"/>
-                <a:ea typeface="华文楷体" panose="02010600040101010101" charset="-122"/>
-                <a:cs typeface="华文楷体" panose="02010600040101010101" charset="-122"/>
-              </a:rPr>
-              <a:t>&lt;/small&gt;</a:t>
-            </a:r>
-            <a:endParaRPr lang="zh-CN" altLang="en-US" sz="2000" b="1">
-              <a:solidFill>
-                <a:srgbClr val="FFC000"/>
-              </a:solidFill>
-              <a:latin typeface="华文楷体" panose="02010600040101010101" charset="-122"/>
-              <a:ea typeface="华文楷体" panose="02010600040101010101" charset="-122"/>
-              <a:cs typeface="华文楷体" panose="02010600040101010101" charset="-122"/>
-            </a:endParaRPr>
-          </a:p>
-          <a:p>
-            <a:pPr algn="ctr"/>
-            <a:endParaRPr lang="zh-CN" altLang="en-US" sz="2000" b="1">
-              <a:solidFill>
-                <a:srgbClr val="FFC000"/>
-              </a:solidFill>
-              <a:latin typeface="华文楷体" panose="02010600040101010101" charset="-122"/>
-              <a:ea typeface="华文楷体" panose="02010600040101010101" charset="-122"/>
-              <a:cs typeface="华文楷体" panose="02010600040101010101" charset="-122"/>
-            </a:endParaRPr>
-          </a:p>
-          <a:p>
-            <a:pPr algn="ctr"/>
-            <a:r>
-              <a:rPr lang="en-US" sz="2000" b="1">
-                <a:solidFill>
-                  <a:srgbClr val="FFC000"/>
-                </a:solidFill>
-                <a:latin typeface="华文楷体" panose="02010600040101010101" charset="-122"/>
-                <a:ea typeface="华文楷体" panose="02010600040101010101" charset="-122"/>
-                <a:cs typeface="华文楷体" panose="02010600040101010101" charset="-122"/>
-              </a:rPr>
-              <a:t>&lt;sup&gt;</a:t>
-            </a:r>
-            <a:r>
-              <a:rPr lang="zh-CN" altLang="en-US" sz="2000" b="1">
-                <a:solidFill>
-                  <a:srgbClr val="FFC000"/>
-                </a:solidFill>
-                <a:latin typeface="华文楷体" panose="02010600040101010101" charset="-122"/>
-                <a:ea typeface="华文楷体" panose="02010600040101010101" charset="-122"/>
-                <a:cs typeface="华文楷体" panose="02010600040101010101" charset="-122"/>
-              </a:rPr>
-              <a:t>被</a:t>
-            </a:r>
-            <a:r>
-              <a:rPr lang="en-US" altLang="zh-CN" sz="2000" b="1">
-                <a:solidFill>
-                  <a:srgbClr val="FFC000"/>
-                </a:solidFill>
-                <a:latin typeface="华文楷体" panose="02010600040101010101" charset="-122"/>
-                <a:ea typeface="华文楷体" panose="02010600040101010101" charset="-122"/>
-                <a:cs typeface="华文楷体" panose="02010600040101010101" charset="-122"/>
-              </a:rPr>
-              <a:t>sup</a:t>
-            </a:r>
-            <a:r>
-              <a:rPr lang="zh-CN" altLang="en-US" sz="2000" b="1">
-                <a:solidFill>
-                  <a:srgbClr val="FFC000"/>
-                </a:solidFill>
-                <a:latin typeface="华文楷体" panose="02010600040101010101" charset="-122"/>
-                <a:ea typeface="华文楷体" panose="02010600040101010101" charset="-122"/>
-                <a:cs typeface="华文楷体" panose="02010600040101010101" charset="-122"/>
-              </a:rPr>
-              <a:t>修饰的符号会作为上标使用</a:t>
-            </a:r>
-            <a:r>
-              <a:rPr lang="en-US" sz="2000" b="1">
-                <a:solidFill>
-                  <a:srgbClr val="FFC000"/>
-                </a:solidFill>
-                <a:latin typeface="华文楷体" panose="02010600040101010101" charset="-122"/>
-                <a:ea typeface="华文楷体" panose="02010600040101010101" charset="-122"/>
-                <a:cs typeface="华文楷体" panose="02010600040101010101" charset="-122"/>
-              </a:rPr>
-              <a:t>&lt;/sup&gt;</a:t>
-            </a:r>
-          </a:p>
-          <a:p>
-            <a:pPr algn="ctr"/>
-            <a:endParaRPr lang="en-US" sz="2000" b="1">
-              <a:solidFill>
-                <a:srgbClr val="FFC000"/>
-              </a:solidFill>
-              <a:latin typeface="华文楷体" panose="02010600040101010101" charset="-122"/>
-              <a:ea typeface="华文楷体" panose="02010600040101010101" charset="-122"/>
-              <a:cs typeface="华文楷体" panose="02010600040101010101" charset="-122"/>
-            </a:endParaRPr>
-          </a:p>
-          <a:p>
-            <a:pPr algn="ctr"/>
-            <a:r>
-              <a:rPr lang="en-US" sz="2000" b="1">
-                <a:solidFill>
-                  <a:srgbClr val="FFC000"/>
-                </a:solidFill>
-                <a:latin typeface="华文楷体" panose="02010600040101010101" charset="-122"/>
-                <a:ea typeface="华文楷体" panose="02010600040101010101" charset="-122"/>
-                <a:cs typeface="华文楷体" panose="02010600040101010101" charset="-122"/>
-              </a:rPr>
-              <a:t>&lt;sub&gt;</a:t>
-            </a:r>
-            <a:r>
-              <a:rPr lang="zh-CN" altLang="en-US" sz="2000" b="1">
-                <a:solidFill>
-                  <a:srgbClr val="FFC000"/>
-                </a:solidFill>
-                <a:latin typeface="华文楷体" panose="02010600040101010101" charset="-122"/>
-                <a:ea typeface="华文楷体" panose="02010600040101010101" charset="-122"/>
-                <a:cs typeface="华文楷体" panose="02010600040101010101" charset="-122"/>
-              </a:rPr>
-              <a:t>被</a:t>
-            </a:r>
-            <a:r>
-              <a:rPr lang="en-US" altLang="zh-CN" sz="2000" b="1">
-                <a:solidFill>
-                  <a:srgbClr val="FFC000"/>
-                </a:solidFill>
-                <a:latin typeface="华文楷体" panose="02010600040101010101" charset="-122"/>
-                <a:ea typeface="华文楷体" panose="02010600040101010101" charset="-122"/>
-                <a:cs typeface="华文楷体" panose="02010600040101010101" charset="-122"/>
-              </a:rPr>
-              <a:t>sub</a:t>
-            </a:r>
-            <a:r>
-              <a:rPr lang="zh-CN" altLang="en-US" sz="2000" b="1">
-                <a:solidFill>
-                  <a:srgbClr val="FFC000"/>
-                </a:solidFill>
-                <a:latin typeface="华文楷体" panose="02010600040101010101" charset="-122"/>
-                <a:ea typeface="华文楷体" panose="02010600040101010101" charset="-122"/>
-                <a:cs typeface="华文楷体" panose="02010600040101010101" charset="-122"/>
-              </a:rPr>
-              <a:t>修饰的符号会作为上标使用</a:t>
-            </a:r>
-            <a:r>
-              <a:rPr lang="en-US" sz="2000" b="1">
-                <a:solidFill>
-                  <a:srgbClr val="FFC000"/>
-                </a:solidFill>
-                <a:latin typeface="华文楷体" panose="02010600040101010101" charset="-122"/>
-                <a:ea typeface="华文楷体" panose="02010600040101010101" charset="-122"/>
-                <a:cs typeface="华文楷体" panose="02010600040101010101" charset="-122"/>
-              </a:rPr>
-              <a:t>&lt;/sub&gt;</a:t>
-            </a:r>
-          </a:p>
-        </p:txBody>
-      </p:sp>
-    </p:spTree>
-  </p:cSld>
-  <p:clrMapOvr>
-    <a:masterClrMapping/>
-  </p:clrMapOvr>
-  <p:transition spd="med" advClick="0" advTm="0">
-    <p:randomBar dir="vert"/>
-  </p:transition>
-  <p:timing>
-    <p:tnLst>
-      <p:par>
-        <p:cTn id="1" dur="indefinite" restart="never" nodeType="tmRoot">
-          <p:childTnLst>
-            <p:seq concurrent="1" nextAc="seek">
-              <p:cTn id="2" dur="indefinite" nodeType="mainSeq">
-                <p:childTnLst>
-                  <p:par>
-                    <p:cTn id="3" fill="hold">
-                      <p:stCondLst>
-                        <p:cond delay="indefinite"/>
-                        <p:cond evt="onBegin" delay="0">
-                          <p:tn val="2"/>
-                        </p:cond>
-                      </p:stCondLst>
-                      <p:childTnLst>
-                        <p:par>
-                          <p:cTn id="4" fill="hold">
-                            <p:stCondLst>
-                              <p:cond delay="0"/>
-                            </p:stCondLst>
-                            <p:childTnLst>
-                              <p:par>
-                                <p:cTn id="5" presetID="42" presetClass="entr" presetSubtype="0" fill="hold" grpId="0" nodeType="withEffect">
-                                  <p:stCondLst>
-                                    <p:cond delay="0"/>
-                                  </p:stCondLst>
-                                  <p:childTnLst>
-                                    <p:set>
-                                      <p:cBhvr>
-                                        <p:cTn id="6" dur="1" fill="hold">
-                                          <p:stCondLst>
-                                            <p:cond delay="0"/>
-                                          </p:stCondLst>
-                                        </p:cTn>
-                                        <p:tgtEl>
-                                          <p:spTgt spid="101"/>
-                                        </p:tgtEl>
-                                        <p:attrNameLst>
-                                          <p:attrName>style.visibility</p:attrName>
-                                        </p:attrNameLst>
-                                      </p:cBhvr>
-                                      <p:to>
-                                        <p:strVal val="visible"/>
-                                      </p:to>
-                                    </p:set>
-                                    <p:animEffect transition="in" filter="fade">
-                                      <p:cBhvr>
-                                        <p:cTn id="7" dur="500"/>
-                                        <p:tgtEl>
-                                          <p:spTgt spid="101"/>
-                                        </p:tgtEl>
-                                      </p:cBhvr>
-                                    </p:animEffect>
-                                    <p:anim calcmode="lin" valueType="num">
-                                      <p:cBhvr>
-                                        <p:cTn id="8" dur="500" fill="hold"/>
-                                        <p:tgtEl>
-                                          <p:spTgt spid="101"/>
-                                        </p:tgtEl>
-                                        <p:attrNameLst>
-                                          <p:attrName>ppt_x</p:attrName>
-                                        </p:attrNameLst>
-                                      </p:cBhvr>
-                                      <p:tavLst>
-                                        <p:tav tm="0">
-                                          <p:val>
-                                            <p:strVal val="#ppt_x"/>
-                                          </p:val>
-                                        </p:tav>
-                                        <p:tav tm="100000">
-                                          <p:val>
-                                            <p:strVal val="#ppt_x"/>
-                                          </p:val>
-                                        </p:tav>
-                                      </p:tavLst>
-                                    </p:anim>
-                                    <p:anim calcmode="lin" valueType="num">
-                                      <p:cBhvr>
-                                        <p:cTn id="9" dur="500" fill="hold"/>
-                                        <p:tgtEl>
-                                          <p:spTgt spid="101"/>
-                                        </p:tgtEl>
-                                        <p:attrNameLst>
-                                          <p:attrName>ppt_y</p:attrName>
-                                        </p:attrNameLst>
-                                      </p:cBhvr>
-                                      <p:tavLst>
-                                        <p:tav tm="0">
-                                          <p:val>
-                                            <p:strVal val="#ppt_y+.1"/>
-                                          </p:val>
-                                        </p:tav>
-                                        <p:tav tm="100000">
-                                          <p:val>
-                                            <p:strVal val="#ppt_y"/>
-                                          </p:val>
-                                        </p:tav>
-                                      </p:tavLst>
-                                    </p:anim>
-                                  </p:childTnLst>
-                                </p:cTn>
-                              </p:par>
-                            </p:childTnLst>
-                          </p:cTn>
-                        </p:par>
-                      </p:childTnLst>
-                    </p:cTn>
-                  </p:par>
-                </p:childTnLst>
-              </p:cTn>
-              <p:prevCondLst>
-                <p:cond evt="onPrev" delay="0">
-                  <p:tgtEl>
-                    <p:sldTgt/>
-                  </p:tgtEl>
-                </p:cond>
-              </p:prevCondLst>
-              <p:nextCondLst>
-                <p:cond evt="onNext" delay="0">
-                  <p:tgtEl>
-                    <p:sldTgt/>
-                  </p:tgtEl>
-                </p:cond>
-              </p:nextCondLst>
-            </p:seq>
-          </p:childTnLst>
-        </p:cTn>
-      </p:par>
-    </p:tnLst>
-    <p:bldLst>
-      <p:bldP spid="101" grpId="0"/>
-    </p:bldLst>
-  </p:timing>
-</p:sld>
-</file>
-
 <file path=ppt/theme/theme1.xml><?xml version="1.0" encoding="utf-8"?>
 <a:theme xmlns:a="http://schemas.openxmlformats.org/drawingml/2006/main" name="Office 主题​​">
   <a:themeElements>
@@ -14609,8 +15483,6 @@
       </a:bgFillStyleLst>
     </a:fmtScheme>
   </a:themeElements>
-  <a:objectDefaults/>
-  <a:extraClrSchemeLst/>
   <a:extLst>
     <a:ext uri="{05A4C25C-085E-4340-85A3-A5531E510DB2}">
       <thm15:themeFamily xmlns:thm15="http://schemas.microsoft.com/office/thememl/2012/main" name="Office Theme" id="{62F939B6-93AF-4DB8-9C6B-D6C7DFDC589F}" vid="{4A3C46E8-61CC-4603-A589-7422A47A8E4A}"/>
@@ -14899,8 +15771,6 @@
       </a:bgFillStyleLst>
     </a:fmtScheme>
   </a:themeElements>
-  <a:objectDefaults/>
-  <a:extraClrSchemeLst/>
   <a:extLst>
     <a:ext uri="{05A4C25C-085E-4340-85A3-A5531E510DB2}">
       <thm15:themeFamily xmlns:thm15="http://schemas.microsoft.com/office/thememl/2012/main" name="Office Theme" id="{62F939B6-93AF-4DB8-9C6B-D6C7DFDC589F}" vid="{4A3C46E8-61CC-4603-A589-7422A47A8E4A}"/>
